--- a/산기대_R_강의.pptx
+++ b/산기대_R_강의.pptx
@@ -2200,7 +2200,7 @@
           <a:bodyPr/>
           <a:lstStyle/>
           <a:p>
-            <a:fld id="{4E3BA28F-5F06-4E6D-B31E-74C96106D193}" type="datetimeFigureOut">
+            <a:fld id="{933319CE-238E-42AF-822B-4EC57575F79C}" type="datetime1">
               <a:rPr lang="ko-KR" altLang="en-US" smtClean="0"/>
               <a:t>2019-09-28</a:t>
             </a:fld>
@@ -2370,7 +2370,7 @@
           <a:bodyPr/>
           <a:lstStyle/>
           <a:p>
-            <a:fld id="{4E3BA28F-5F06-4E6D-B31E-74C96106D193}" type="datetimeFigureOut">
+            <a:fld id="{1DFBD0E2-807A-4319-AB8E-FEE52FEA9261}" type="datetime1">
               <a:rPr lang="ko-KR" altLang="en-US" smtClean="0"/>
               <a:t>2019-09-28</a:t>
             </a:fld>
@@ -2550,7 +2550,7 @@
           <a:bodyPr/>
           <a:lstStyle/>
           <a:p>
-            <a:fld id="{4E3BA28F-5F06-4E6D-B31E-74C96106D193}" type="datetimeFigureOut">
+            <a:fld id="{7851FA34-ABB9-4DB3-8D35-39BDC5ED0B78}" type="datetime1">
               <a:rPr lang="ko-KR" altLang="en-US" smtClean="0"/>
               <a:t>2019-09-28</a:t>
             </a:fld>
@@ -2730,7 +2730,7 @@
           <a:bodyPr/>
           <a:lstStyle/>
           <a:p>
-            <a:fld id="{4E3BA28F-5F06-4E6D-B31E-74C96106D193}" type="datetimeFigureOut">
+            <a:fld id="{D8997201-2419-4749-AB7D-A112D610BDDB}" type="datetime1">
               <a:rPr lang="ko-KR" altLang="en-US" smtClean="0"/>
               <a:t>2019-09-28</a:t>
             </a:fld>
@@ -2976,7 +2976,7 @@
           <a:bodyPr/>
           <a:lstStyle/>
           <a:p>
-            <a:fld id="{4E3BA28F-5F06-4E6D-B31E-74C96106D193}" type="datetimeFigureOut">
+            <a:fld id="{55B63E66-2DB7-4FF5-BE7A-2653DD612454}" type="datetime1">
               <a:rPr lang="ko-KR" altLang="en-US" smtClean="0"/>
               <a:t>2019-09-28</a:t>
             </a:fld>
@@ -3264,7 +3264,7 @@
           <a:bodyPr/>
           <a:lstStyle/>
           <a:p>
-            <a:fld id="{4E3BA28F-5F06-4E6D-B31E-74C96106D193}" type="datetimeFigureOut">
+            <a:fld id="{62059A16-F231-4ED5-9657-993213A39BB3}" type="datetime1">
               <a:rPr lang="ko-KR" altLang="en-US" smtClean="0"/>
               <a:t>2019-09-28</a:t>
             </a:fld>
@@ -3686,7 +3686,7 @@
           <a:bodyPr/>
           <a:lstStyle/>
           <a:p>
-            <a:fld id="{4E3BA28F-5F06-4E6D-B31E-74C96106D193}" type="datetimeFigureOut">
+            <a:fld id="{15A972AB-7508-41CE-95E9-AE43851C0E82}" type="datetime1">
               <a:rPr lang="ko-KR" altLang="en-US" smtClean="0"/>
               <a:t>2019-09-28</a:t>
             </a:fld>
@@ -3804,7 +3804,7 @@
           <a:bodyPr/>
           <a:lstStyle/>
           <a:p>
-            <a:fld id="{4E3BA28F-5F06-4E6D-B31E-74C96106D193}" type="datetimeFigureOut">
+            <a:fld id="{D53AEC9E-A53D-4B79-A274-F2AD523A7E90}" type="datetime1">
               <a:rPr lang="ko-KR" altLang="en-US" smtClean="0"/>
               <a:t>2019-09-28</a:t>
             </a:fld>
@@ -3899,7 +3899,7 @@
           <a:bodyPr/>
           <a:lstStyle/>
           <a:p>
-            <a:fld id="{4E3BA28F-5F06-4E6D-B31E-74C96106D193}" type="datetimeFigureOut">
+            <a:fld id="{01082F54-D128-4F47-A122-7E3D93869658}" type="datetime1">
               <a:rPr lang="ko-KR" altLang="en-US" smtClean="0"/>
               <a:t>2019-09-28</a:t>
             </a:fld>
@@ -4176,7 +4176,7 @@
           <a:bodyPr/>
           <a:lstStyle/>
           <a:p>
-            <a:fld id="{4E3BA28F-5F06-4E6D-B31E-74C96106D193}" type="datetimeFigureOut">
+            <a:fld id="{9A074040-FD4D-4944-B824-36D57B4A530D}" type="datetime1">
               <a:rPr lang="ko-KR" altLang="en-US" smtClean="0"/>
               <a:t>2019-09-28</a:t>
             </a:fld>
@@ -4429,7 +4429,7 @@
           <a:bodyPr/>
           <a:lstStyle/>
           <a:p>
-            <a:fld id="{4E3BA28F-5F06-4E6D-B31E-74C96106D193}" type="datetimeFigureOut">
+            <a:fld id="{12C0F3DC-7263-4E4C-9A04-C9D1B111DCB0}" type="datetime1">
               <a:rPr lang="ko-KR" altLang="en-US" smtClean="0"/>
               <a:t>2019-09-28</a:t>
             </a:fld>
@@ -4642,7 +4642,7 @@
             </a:lvl1pPr>
           </a:lstStyle>
           <a:p>
-            <a:fld id="{4E3BA28F-5F06-4E6D-B31E-74C96106D193}" type="datetimeFigureOut">
+            <a:fld id="{B208F9EE-4247-40E1-AFA1-FBB8805FC517}" type="datetime1">
               <a:rPr lang="ko-KR" altLang="en-US" smtClean="0"/>
               <a:t>2019-09-28</a:t>
             </a:fld>
@@ -4749,6 +4749,7 @@
     <p:sldLayoutId id="2147483658" r:id="rId10"/>
     <p:sldLayoutId id="2147483659" r:id="rId11"/>
   </p:sldLayoutIdLst>
+  <p:hf hdr="0" ftr="0" dt="0"/>
   <p:txStyles>
     <p:titleStyle>
       <a:lvl1pPr algn="ctr" defTabSz="914400" rtl="0" eaLnBrk="1" latinLnBrk="1" hangingPunct="1">
@@ -5090,11 +5091,7 @@
             </a:pPr>
             <a:r>
               <a:rPr lang="ko-KR" altLang="en-US" dirty="0" smtClean="0"/>
-              <a:t>부연구위원 </a:t>
-            </a:r>
-            <a:r>
-              <a:rPr lang="ko-KR" altLang="en-US" dirty="0" smtClean="0"/>
-              <a:t>진대용</a:t>
+              <a:t>부연구위원 진대용</a:t>
             </a:r>
             <a:endParaRPr lang="en-US" altLang="ko-KR" dirty="0" smtClean="0"/>
           </a:p>
@@ -5159,6 +5156,29 @@
           </a:extLst>
         </p:spPr>
       </p:pic>
+      <p:sp>
+        <p:nvSpPr>
+          <p:cNvPr id="4" name="슬라이드 번호 개체 틀 3"/>
+          <p:cNvSpPr>
+            <a:spLocks noGrp="1"/>
+          </p:cNvSpPr>
+          <p:nvPr>
+            <p:ph type="sldNum" sz="quarter" idx="12"/>
+          </p:nvPr>
+        </p:nvSpPr>
+        <p:spPr/>
+        <p:txBody>
+          <a:bodyPr/>
+          <a:lstStyle/>
+          <a:p>
+            <a:fld id="{6CA5DE3E-8F8B-446D-8018-C0B17D99852C}" type="slidenum">
+              <a:rPr lang="ko-KR" altLang="en-US" smtClean="0"/>
+              <a:t>1</a:t>
+            </a:fld>
+            <a:endParaRPr lang="ko-KR" altLang="en-US"/>
+          </a:p>
+        </p:txBody>
+      </p:sp>
     </p:spTree>
     <p:extLst>
       <p:ext uri="{BB962C8B-B14F-4D97-AF65-F5344CB8AC3E}">
@@ -5407,6 +5427,29 @@
           </a:p>
         </p:txBody>
       </p:sp>
+      <p:sp>
+        <p:nvSpPr>
+          <p:cNvPr id="4" name="슬라이드 번호 개체 틀 3"/>
+          <p:cNvSpPr>
+            <a:spLocks noGrp="1"/>
+          </p:cNvSpPr>
+          <p:nvPr>
+            <p:ph type="sldNum" sz="quarter" idx="12"/>
+          </p:nvPr>
+        </p:nvSpPr>
+        <p:spPr/>
+        <p:txBody>
+          <a:bodyPr/>
+          <a:lstStyle/>
+          <a:p>
+            <a:fld id="{6CA5DE3E-8F8B-446D-8018-C0B17D99852C}" type="slidenum">
+              <a:rPr lang="ko-KR" altLang="en-US" smtClean="0"/>
+              <a:t>10</a:t>
+            </a:fld>
+            <a:endParaRPr lang="ko-KR" altLang="en-US"/>
+          </a:p>
+        </p:txBody>
+      </p:sp>
     </p:spTree>
     <p:extLst>
       <p:ext uri="{BB962C8B-B14F-4D97-AF65-F5344CB8AC3E}">
@@ -5682,6 +5725,29 @@
           </a:p>
         </p:txBody>
       </p:sp>
+      <p:sp>
+        <p:nvSpPr>
+          <p:cNvPr id="4" name="슬라이드 번호 개체 틀 3"/>
+          <p:cNvSpPr>
+            <a:spLocks noGrp="1"/>
+          </p:cNvSpPr>
+          <p:nvPr>
+            <p:ph type="sldNum" sz="quarter" idx="12"/>
+          </p:nvPr>
+        </p:nvSpPr>
+        <p:spPr/>
+        <p:txBody>
+          <a:bodyPr/>
+          <a:lstStyle/>
+          <a:p>
+            <a:fld id="{6CA5DE3E-8F8B-446D-8018-C0B17D99852C}" type="slidenum">
+              <a:rPr lang="ko-KR" altLang="en-US" smtClean="0"/>
+              <a:t>11</a:t>
+            </a:fld>
+            <a:endParaRPr lang="ko-KR" altLang="en-US"/>
+          </a:p>
+        </p:txBody>
+      </p:sp>
     </p:spTree>
     <p:extLst>
       <p:ext uri="{BB962C8B-B14F-4D97-AF65-F5344CB8AC3E}">
@@ -5890,6 +5956,29 @@
           </a:p>
         </p:txBody>
       </p:sp>
+      <p:sp>
+        <p:nvSpPr>
+          <p:cNvPr id="4" name="슬라이드 번호 개체 틀 3"/>
+          <p:cNvSpPr>
+            <a:spLocks noGrp="1"/>
+          </p:cNvSpPr>
+          <p:nvPr>
+            <p:ph type="sldNum" sz="quarter" idx="12"/>
+          </p:nvPr>
+        </p:nvSpPr>
+        <p:spPr/>
+        <p:txBody>
+          <a:bodyPr/>
+          <a:lstStyle/>
+          <a:p>
+            <a:fld id="{6CA5DE3E-8F8B-446D-8018-C0B17D99852C}" type="slidenum">
+              <a:rPr lang="ko-KR" altLang="en-US" smtClean="0"/>
+              <a:t>12</a:t>
+            </a:fld>
+            <a:endParaRPr lang="ko-KR" altLang="en-US"/>
+          </a:p>
+        </p:txBody>
+      </p:sp>
     </p:spTree>
     <p:extLst>
       <p:ext uri="{BB962C8B-B14F-4D97-AF65-F5344CB8AC3E}">
@@ -6158,6 +6247,29 @@
           </a:p>
         </p:txBody>
       </p:sp>
+      <p:sp>
+        <p:nvSpPr>
+          <p:cNvPr id="4" name="슬라이드 번호 개체 틀 3"/>
+          <p:cNvSpPr>
+            <a:spLocks noGrp="1"/>
+          </p:cNvSpPr>
+          <p:nvPr>
+            <p:ph type="sldNum" sz="quarter" idx="12"/>
+          </p:nvPr>
+        </p:nvSpPr>
+        <p:spPr/>
+        <p:txBody>
+          <a:bodyPr/>
+          <a:lstStyle/>
+          <a:p>
+            <a:fld id="{6CA5DE3E-8F8B-446D-8018-C0B17D99852C}" type="slidenum">
+              <a:rPr lang="ko-KR" altLang="en-US" smtClean="0"/>
+              <a:t>13</a:t>
+            </a:fld>
+            <a:endParaRPr lang="ko-KR" altLang="en-US"/>
+          </a:p>
+        </p:txBody>
+      </p:sp>
     </p:spTree>
     <p:extLst>
       <p:ext uri="{BB962C8B-B14F-4D97-AF65-F5344CB8AC3E}">
@@ -6384,6 +6496,29 @@
           </a:p>
         </p:txBody>
       </p:sp>
+      <p:sp>
+        <p:nvSpPr>
+          <p:cNvPr id="4" name="슬라이드 번호 개체 틀 3"/>
+          <p:cNvSpPr>
+            <a:spLocks noGrp="1"/>
+          </p:cNvSpPr>
+          <p:nvPr>
+            <p:ph type="sldNum" sz="quarter" idx="12"/>
+          </p:nvPr>
+        </p:nvSpPr>
+        <p:spPr/>
+        <p:txBody>
+          <a:bodyPr/>
+          <a:lstStyle/>
+          <a:p>
+            <a:fld id="{6CA5DE3E-8F8B-446D-8018-C0B17D99852C}" type="slidenum">
+              <a:rPr lang="ko-KR" altLang="en-US" smtClean="0"/>
+              <a:t>14</a:t>
+            </a:fld>
+            <a:endParaRPr lang="ko-KR" altLang="en-US"/>
+          </a:p>
+        </p:txBody>
+      </p:sp>
     </p:spTree>
     <p:extLst>
       <p:ext uri="{BB962C8B-B14F-4D97-AF65-F5344CB8AC3E}">
@@ -6765,6 +6900,29 @@
           </a:p>
         </p:txBody>
       </p:sp>
+      <p:sp>
+        <p:nvSpPr>
+          <p:cNvPr id="4" name="슬라이드 번호 개체 틀 3"/>
+          <p:cNvSpPr>
+            <a:spLocks noGrp="1"/>
+          </p:cNvSpPr>
+          <p:nvPr>
+            <p:ph type="sldNum" sz="quarter" idx="12"/>
+          </p:nvPr>
+        </p:nvSpPr>
+        <p:spPr/>
+        <p:txBody>
+          <a:bodyPr/>
+          <a:lstStyle/>
+          <a:p>
+            <a:fld id="{6CA5DE3E-8F8B-446D-8018-C0B17D99852C}" type="slidenum">
+              <a:rPr lang="ko-KR" altLang="en-US" smtClean="0"/>
+              <a:t>15</a:t>
+            </a:fld>
+            <a:endParaRPr lang="ko-KR" altLang="en-US"/>
+          </a:p>
+        </p:txBody>
+      </p:sp>
     </p:spTree>
     <p:extLst>
       <p:ext uri="{BB962C8B-B14F-4D97-AF65-F5344CB8AC3E}">
@@ -6953,6 +7111,29 @@
           </a:p>
         </p:txBody>
       </p:sp>
+      <p:sp>
+        <p:nvSpPr>
+          <p:cNvPr id="4" name="슬라이드 번호 개체 틀 3"/>
+          <p:cNvSpPr>
+            <a:spLocks noGrp="1"/>
+          </p:cNvSpPr>
+          <p:nvPr>
+            <p:ph type="sldNum" sz="quarter" idx="12"/>
+          </p:nvPr>
+        </p:nvSpPr>
+        <p:spPr/>
+        <p:txBody>
+          <a:bodyPr/>
+          <a:lstStyle/>
+          <a:p>
+            <a:fld id="{6CA5DE3E-8F8B-446D-8018-C0B17D99852C}" type="slidenum">
+              <a:rPr lang="ko-KR" altLang="en-US" smtClean="0"/>
+              <a:t>16</a:t>
+            </a:fld>
+            <a:endParaRPr lang="ko-KR" altLang="en-US"/>
+          </a:p>
+        </p:txBody>
+      </p:sp>
     </p:spTree>
     <p:extLst>
       <p:ext uri="{BB962C8B-B14F-4D97-AF65-F5344CB8AC3E}">
@@ -7330,6 +7511,29 @@
           </a:p>
         </p:txBody>
       </p:sp>
+      <p:sp>
+        <p:nvSpPr>
+          <p:cNvPr id="4" name="슬라이드 번호 개체 틀 3"/>
+          <p:cNvSpPr>
+            <a:spLocks noGrp="1"/>
+          </p:cNvSpPr>
+          <p:nvPr>
+            <p:ph type="sldNum" sz="quarter" idx="12"/>
+          </p:nvPr>
+        </p:nvSpPr>
+        <p:spPr/>
+        <p:txBody>
+          <a:bodyPr/>
+          <a:lstStyle/>
+          <a:p>
+            <a:fld id="{6CA5DE3E-8F8B-446D-8018-C0B17D99852C}" type="slidenum">
+              <a:rPr lang="ko-KR" altLang="en-US" smtClean="0"/>
+              <a:t>17</a:t>
+            </a:fld>
+            <a:endParaRPr lang="ko-KR" altLang="en-US"/>
+          </a:p>
+        </p:txBody>
+      </p:sp>
     </p:spTree>
     <p:extLst>
       <p:ext uri="{BB962C8B-B14F-4D97-AF65-F5344CB8AC3E}">
@@ -7715,6 +7919,29 @@
           </a:p>
         </p:txBody>
       </p:sp>
+      <p:sp>
+        <p:nvSpPr>
+          <p:cNvPr id="4" name="슬라이드 번호 개체 틀 3"/>
+          <p:cNvSpPr>
+            <a:spLocks noGrp="1"/>
+          </p:cNvSpPr>
+          <p:nvPr>
+            <p:ph type="sldNum" sz="quarter" idx="12"/>
+          </p:nvPr>
+        </p:nvSpPr>
+        <p:spPr/>
+        <p:txBody>
+          <a:bodyPr/>
+          <a:lstStyle/>
+          <a:p>
+            <a:fld id="{6CA5DE3E-8F8B-446D-8018-C0B17D99852C}" type="slidenum">
+              <a:rPr lang="ko-KR" altLang="en-US" smtClean="0"/>
+              <a:t>18</a:t>
+            </a:fld>
+            <a:endParaRPr lang="ko-KR" altLang="en-US"/>
+          </a:p>
+        </p:txBody>
+      </p:sp>
     </p:spTree>
     <p:extLst>
       <p:ext uri="{BB962C8B-B14F-4D97-AF65-F5344CB8AC3E}">
@@ -7883,6 +8110,29 @@
               </a:lnSpc>
             </a:pPr>
             <a:endParaRPr lang="en-US" altLang="ko-KR" sz="2000" dirty="0" smtClean="0"/>
+          </a:p>
+        </p:txBody>
+      </p:sp>
+      <p:sp>
+        <p:nvSpPr>
+          <p:cNvPr id="4" name="슬라이드 번호 개체 틀 3"/>
+          <p:cNvSpPr>
+            <a:spLocks noGrp="1"/>
+          </p:cNvSpPr>
+          <p:nvPr>
+            <p:ph type="sldNum" sz="quarter" idx="12"/>
+          </p:nvPr>
+        </p:nvSpPr>
+        <p:spPr/>
+        <p:txBody>
+          <a:bodyPr/>
+          <a:lstStyle/>
+          <a:p>
+            <a:fld id="{6CA5DE3E-8F8B-446D-8018-C0B17D99852C}" type="slidenum">
+              <a:rPr lang="ko-KR" altLang="en-US" smtClean="0"/>
+              <a:t>19</a:t>
+            </a:fld>
+            <a:endParaRPr lang="ko-KR" altLang="en-US"/>
           </a:p>
         </p:txBody>
       </p:sp>
@@ -8297,6 +8547,29 @@
           </a:p>
         </p:txBody>
       </p:sp>
+      <p:sp>
+        <p:nvSpPr>
+          <p:cNvPr id="5" name="슬라이드 번호 개체 틀 4"/>
+          <p:cNvSpPr>
+            <a:spLocks noGrp="1"/>
+          </p:cNvSpPr>
+          <p:nvPr>
+            <p:ph type="sldNum" sz="quarter" idx="12"/>
+          </p:nvPr>
+        </p:nvSpPr>
+        <p:spPr/>
+        <p:txBody>
+          <a:bodyPr/>
+          <a:lstStyle/>
+          <a:p>
+            <a:fld id="{6CA5DE3E-8F8B-446D-8018-C0B17D99852C}" type="slidenum">
+              <a:rPr lang="ko-KR" altLang="en-US" smtClean="0"/>
+              <a:t>2</a:t>
+            </a:fld>
+            <a:endParaRPr lang="ko-KR" altLang="en-US"/>
+          </a:p>
+        </p:txBody>
+      </p:sp>
     </p:spTree>
     <p:extLst>
       <p:ext uri="{BB962C8B-B14F-4D97-AF65-F5344CB8AC3E}">
@@ -8491,6 +8764,29 @@
           </a:p>
         </p:txBody>
       </p:sp>
+      <p:sp>
+        <p:nvSpPr>
+          <p:cNvPr id="4" name="슬라이드 번호 개체 틀 3"/>
+          <p:cNvSpPr>
+            <a:spLocks noGrp="1"/>
+          </p:cNvSpPr>
+          <p:nvPr>
+            <p:ph type="sldNum" sz="quarter" idx="12"/>
+          </p:nvPr>
+        </p:nvSpPr>
+        <p:spPr/>
+        <p:txBody>
+          <a:bodyPr/>
+          <a:lstStyle/>
+          <a:p>
+            <a:fld id="{6CA5DE3E-8F8B-446D-8018-C0B17D99852C}" type="slidenum">
+              <a:rPr lang="ko-KR" altLang="en-US" smtClean="0"/>
+              <a:t>20</a:t>
+            </a:fld>
+            <a:endParaRPr lang="ko-KR" altLang="en-US"/>
+          </a:p>
+        </p:txBody>
+      </p:sp>
     </p:spTree>
     <p:extLst>
       <p:ext uri="{BB962C8B-B14F-4D97-AF65-F5344CB8AC3E}">
@@ -8847,6 +9143,29 @@
             <a:endParaRPr lang="en-US" altLang="ko-KR" sz="2000" dirty="0" smtClean="0">
               <a:latin typeface="+mj-lt"/>
             </a:endParaRPr>
+          </a:p>
+        </p:txBody>
+      </p:sp>
+      <p:sp>
+        <p:nvSpPr>
+          <p:cNvPr id="4" name="슬라이드 번호 개체 틀 3"/>
+          <p:cNvSpPr>
+            <a:spLocks noGrp="1"/>
+          </p:cNvSpPr>
+          <p:nvPr>
+            <p:ph type="sldNum" sz="quarter" idx="12"/>
+          </p:nvPr>
+        </p:nvSpPr>
+        <p:spPr/>
+        <p:txBody>
+          <a:bodyPr/>
+          <a:lstStyle/>
+          <a:p>
+            <a:fld id="{6CA5DE3E-8F8B-446D-8018-C0B17D99852C}" type="slidenum">
+              <a:rPr lang="ko-KR" altLang="en-US" smtClean="0"/>
+              <a:t>21</a:t>
+            </a:fld>
+            <a:endParaRPr lang="ko-KR" altLang="en-US"/>
           </a:p>
         </p:txBody>
       </p:sp>
@@ -9624,6 +9943,29 @@
           </a:fontRef>
         </p:style>
       </p:cxnSp>
+      <p:sp>
+        <p:nvSpPr>
+          <p:cNvPr id="4" name="슬라이드 번호 개체 틀 3"/>
+          <p:cNvSpPr>
+            <a:spLocks noGrp="1"/>
+          </p:cNvSpPr>
+          <p:nvPr>
+            <p:ph type="sldNum" sz="quarter" idx="12"/>
+          </p:nvPr>
+        </p:nvSpPr>
+        <p:spPr/>
+        <p:txBody>
+          <a:bodyPr/>
+          <a:lstStyle/>
+          <a:p>
+            <a:fld id="{6CA5DE3E-8F8B-446D-8018-C0B17D99852C}" type="slidenum">
+              <a:rPr lang="ko-KR" altLang="en-US" smtClean="0"/>
+              <a:t>22</a:t>
+            </a:fld>
+            <a:endParaRPr lang="ko-KR" altLang="en-US"/>
+          </a:p>
+        </p:txBody>
+      </p:sp>
     </p:spTree>
     <p:extLst>
       <p:ext uri="{BB962C8B-B14F-4D97-AF65-F5344CB8AC3E}">
@@ -9894,6 +10236,29 @@
           </a:p>
         </p:txBody>
       </p:sp>
+      <p:sp>
+        <p:nvSpPr>
+          <p:cNvPr id="4" name="슬라이드 번호 개체 틀 3"/>
+          <p:cNvSpPr>
+            <a:spLocks noGrp="1"/>
+          </p:cNvSpPr>
+          <p:nvPr>
+            <p:ph type="sldNum" sz="quarter" idx="12"/>
+          </p:nvPr>
+        </p:nvSpPr>
+        <p:spPr/>
+        <p:txBody>
+          <a:bodyPr/>
+          <a:lstStyle/>
+          <a:p>
+            <a:fld id="{6CA5DE3E-8F8B-446D-8018-C0B17D99852C}" type="slidenum">
+              <a:rPr lang="ko-KR" altLang="en-US" smtClean="0"/>
+              <a:t>23</a:t>
+            </a:fld>
+            <a:endParaRPr lang="ko-KR" altLang="en-US"/>
+          </a:p>
+        </p:txBody>
+      </p:sp>
     </p:spTree>
     <p:extLst>
       <p:ext uri="{BB962C8B-B14F-4D97-AF65-F5344CB8AC3E}">
@@ -10122,6 +10487,29 @@
           </a:p>
         </p:txBody>
       </p:sp>
+      <p:sp>
+        <p:nvSpPr>
+          <p:cNvPr id="4" name="슬라이드 번호 개체 틀 3"/>
+          <p:cNvSpPr>
+            <a:spLocks noGrp="1"/>
+          </p:cNvSpPr>
+          <p:nvPr>
+            <p:ph type="sldNum" sz="quarter" idx="12"/>
+          </p:nvPr>
+        </p:nvSpPr>
+        <p:spPr/>
+        <p:txBody>
+          <a:bodyPr/>
+          <a:lstStyle/>
+          <a:p>
+            <a:fld id="{6CA5DE3E-8F8B-446D-8018-C0B17D99852C}" type="slidenum">
+              <a:rPr lang="ko-KR" altLang="en-US" smtClean="0"/>
+              <a:t>24</a:t>
+            </a:fld>
+            <a:endParaRPr lang="ko-KR" altLang="en-US"/>
+          </a:p>
+        </p:txBody>
+      </p:sp>
     </p:spTree>
     <p:extLst>
       <p:ext uri="{BB962C8B-B14F-4D97-AF65-F5344CB8AC3E}">
@@ -10274,6 +10662,29 @@
           </a:p>
         </p:txBody>
       </p:sp>
+      <p:sp>
+        <p:nvSpPr>
+          <p:cNvPr id="4" name="슬라이드 번호 개체 틀 3"/>
+          <p:cNvSpPr>
+            <a:spLocks noGrp="1"/>
+          </p:cNvSpPr>
+          <p:nvPr>
+            <p:ph type="sldNum" sz="quarter" idx="12"/>
+          </p:nvPr>
+        </p:nvSpPr>
+        <p:spPr/>
+        <p:txBody>
+          <a:bodyPr/>
+          <a:lstStyle/>
+          <a:p>
+            <a:fld id="{6CA5DE3E-8F8B-446D-8018-C0B17D99852C}" type="slidenum">
+              <a:rPr lang="ko-KR" altLang="en-US" smtClean="0"/>
+              <a:t>25</a:t>
+            </a:fld>
+            <a:endParaRPr lang="ko-KR" altLang="en-US"/>
+          </a:p>
+        </p:txBody>
+      </p:sp>
     </p:spTree>
     <p:extLst>
       <p:ext uri="{BB962C8B-B14F-4D97-AF65-F5344CB8AC3E}">
@@ -10464,6 +10875,29 @@
               <a:buNone/>
             </a:pPr>
             <a:endParaRPr lang="ko-KR" altLang="en-US" sz="2000" dirty="0" smtClean="0"/>
+          </a:p>
+        </p:txBody>
+      </p:sp>
+      <p:sp>
+        <p:nvSpPr>
+          <p:cNvPr id="4" name="슬라이드 번호 개체 틀 3"/>
+          <p:cNvSpPr>
+            <a:spLocks noGrp="1"/>
+          </p:cNvSpPr>
+          <p:nvPr>
+            <p:ph type="sldNum" sz="quarter" idx="12"/>
+          </p:nvPr>
+        </p:nvSpPr>
+        <p:spPr/>
+        <p:txBody>
+          <a:bodyPr/>
+          <a:lstStyle/>
+          <a:p>
+            <a:fld id="{6CA5DE3E-8F8B-446D-8018-C0B17D99852C}" type="slidenum">
+              <a:rPr lang="ko-KR" altLang="en-US" smtClean="0"/>
+              <a:t>26</a:t>
+            </a:fld>
+            <a:endParaRPr lang="ko-KR" altLang="en-US"/>
           </a:p>
         </p:txBody>
       </p:sp>
@@ -11007,6 +11441,29 @@
           </a:p>
         </p:txBody>
       </p:sp>
+      <p:sp>
+        <p:nvSpPr>
+          <p:cNvPr id="6" name="슬라이드 번호 개체 틀 5"/>
+          <p:cNvSpPr>
+            <a:spLocks noGrp="1"/>
+          </p:cNvSpPr>
+          <p:nvPr>
+            <p:ph type="sldNum" sz="quarter" idx="12"/>
+          </p:nvPr>
+        </p:nvSpPr>
+        <p:spPr/>
+        <p:txBody>
+          <a:bodyPr/>
+          <a:lstStyle/>
+          <a:p>
+            <a:fld id="{6CA5DE3E-8F8B-446D-8018-C0B17D99852C}" type="slidenum">
+              <a:rPr lang="ko-KR" altLang="en-US" smtClean="0"/>
+              <a:t>27</a:t>
+            </a:fld>
+            <a:endParaRPr lang="ko-KR" altLang="en-US"/>
+          </a:p>
+        </p:txBody>
+      </p:sp>
     </p:spTree>
     <p:extLst>
       <p:ext uri="{BB962C8B-B14F-4D97-AF65-F5344CB8AC3E}">
@@ -11461,6 +11918,29 @@
           </a:p>
         </p:txBody>
       </p:sp>
+      <p:sp>
+        <p:nvSpPr>
+          <p:cNvPr id="6" name="슬라이드 번호 개체 틀 5"/>
+          <p:cNvSpPr>
+            <a:spLocks noGrp="1"/>
+          </p:cNvSpPr>
+          <p:nvPr>
+            <p:ph type="sldNum" sz="quarter" idx="12"/>
+          </p:nvPr>
+        </p:nvSpPr>
+        <p:spPr/>
+        <p:txBody>
+          <a:bodyPr/>
+          <a:lstStyle/>
+          <a:p>
+            <a:fld id="{6CA5DE3E-8F8B-446D-8018-C0B17D99852C}" type="slidenum">
+              <a:rPr lang="ko-KR" altLang="en-US" smtClean="0"/>
+              <a:t>28</a:t>
+            </a:fld>
+            <a:endParaRPr lang="ko-KR" altLang="en-US"/>
+          </a:p>
+        </p:txBody>
+      </p:sp>
     </p:spTree>
     <p:extLst>
       <p:ext uri="{BB962C8B-B14F-4D97-AF65-F5344CB8AC3E}">
@@ -11654,6 +12134,29 @@
               <a:buNone/>
             </a:pPr>
             <a:endParaRPr lang="ko-KR" altLang="en-US" sz="2000" dirty="0" smtClean="0"/>
+          </a:p>
+        </p:txBody>
+      </p:sp>
+      <p:sp>
+        <p:nvSpPr>
+          <p:cNvPr id="4" name="슬라이드 번호 개체 틀 3"/>
+          <p:cNvSpPr>
+            <a:spLocks noGrp="1"/>
+          </p:cNvSpPr>
+          <p:nvPr>
+            <p:ph type="sldNum" sz="quarter" idx="12"/>
+          </p:nvPr>
+        </p:nvSpPr>
+        <p:spPr/>
+        <p:txBody>
+          <a:bodyPr/>
+          <a:lstStyle/>
+          <a:p>
+            <a:fld id="{6CA5DE3E-8F8B-446D-8018-C0B17D99852C}" type="slidenum">
+              <a:rPr lang="ko-KR" altLang="en-US" smtClean="0"/>
+              <a:t>29</a:t>
+            </a:fld>
+            <a:endParaRPr lang="ko-KR" altLang="en-US"/>
           </a:p>
         </p:txBody>
       </p:sp>
@@ -11918,6 +12421,29 @@
           </a:extLst>
         </p:spPr>
       </p:pic>
+      <p:sp>
+        <p:nvSpPr>
+          <p:cNvPr id="4" name="슬라이드 번호 개체 틀 3"/>
+          <p:cNvSpPr>
+            <a:spLocks noGrp="1"/>
+          </p:cNvSpPr>
+          <p:nvPr>
+            <p:ph type="sldNum" sz="quarter" idx="12"/>
+          </p:nvPr>
+        </p:nvSpPr>
+        <p:spPr/>
+        <p:txBody>
+          <a:bodyPr/>
+          <a:lstStyle/>
+          <a:p>
+            <a:fld id="{6CA5DE3E-8F8B-446D-8018-C0B17D99852C}" type="slidenum">
+              <a:rPr lang="ko-KR" altLang="en-US" smtClean="0"/>
+              <a:t>3</a:t>
+            </a:fld>
+            <a:endParaRPr lang="ko-KR" altLang="en-US"/>
+          </a:p>
+        </p:txBody>
+      </p:sp>
     </p:spTree>
     <p:extLst>
       <p:ext uri="{BB962C8B-B14F-4D97-AF65-F5344CB8AC3E}">
@@ -12138,6 +12664,29 @@
           </a:p>
         </p:txBody>
       </p:sp>
+      <p:sp>
+        <p:nvSpPr>
+          <p:cNvPr id="4" name="슬라이드 번호 개체 틀 3"/>
+          <p:cNvSpPr>
+            <a:spLocks noGrp="1"/>
+          </p:cNvSpPr>
+          <p:nvPr>
+            <p:ph type="sldNum" sz="quarter" idx="12"/>
+          </p:nvPr>
+        </p:nvSpPr>
+        <p:spPr/>
+        <p:txBody>
+          <a:bodyPr/>
+          <a:lstStyle/>
+          <a:p>
+            <a:fld id="{6CA5DE3E-8F8B-446D-8018-C0B17D99852C}" type="slidenum">
+              <a:rPr lang="ko-KR" altLang="en-US" smtClean="0"/>
+              <a:t>30</a:t>
+            </a:fld>
+            <a:endParaRPr lang="ko-KR" altLang="en-US"/>
+          </a:p>
+        </p:txBody>
+      </p:sp>
     </p:spTree>
     <p:extLst>
       <p:ext uri="{BB962C8B-B14F-4D97-AF65-F5344CB8AC3E}">
@@ -12373,6 +12922,29 @@
           </a:p>
         </p:txBody>
       </p:sp>
+      <p:sp>
+        <p:nvSpPr>
+          <p:cNvPr id="4" name="슬라이드 번호 개체 틀 3"/>
+          <p:cNvSpPr>
+            <a:spLocks noGrp="1"/>
+          </p:cNvSpPr>
+          <p:nvPr>
+            <p:ph type="sldNum" sz="quarter" idx="12"/>
+          </p:nvPr>
+        </p:nvSpPr>
+        <p:spPr/>
+        <p:txBody>
+          <a:bodyPr/>
+          <a:lstStyle/>
+          <a:p>
+            <a:fld id="{6CA5DE3E-8F8B-446D-8018-C0B17D99852C}" type="slidenum">
+              <a:rPr lang="ko-KR" altLang="en-US" smtClean="0"/>
+              <a:t>31</a:t>
+            </a:fld>
+            <a:endParaRPr lang="ko-KR" altLang="en-US"/>
+          </a:p>
+        </p:txBody>
+      </p:sp>
     </p:spTree>
     <p:extLst>
       <p:ext uri="{BB962C8B-B14F-4D97-AF65-F5344CB8AC3E}">
@@ -12572,6 +13144,29 @@
           </a:p>
         </p:txBody>
       </p:sp>
+      <p:sp>
+        <p:nvSpPr>
+          <p:cNvPr id="4" name="슬라이드 번호 개체 틀 3"/>
+          <p:cNvSpPr>
+            <a:spLocks noGrp="1"/>
+          </p:cNvSpPr>
+          <p:nvPr>
+            <p:ph type="sldNum" sz="quarter" idx="12"/>
+          </p:nvPr>
+        </p:nvSpPr>
+        <p:spPr/>
+        <p:txBody>
+          <a:bodyPr/>
+          <a:lstStyle/>
+          <a:p>
+            <a:fld id="{6CA5DE3E-8F8B-446D-8018-C0B17D99852C}" type="slidenum">
+              <a:rPr lang="ko-KR" altLang="en-US" smtClean="0"/>
+              <a:t>32</a:t>
+            </a:fld>
+            <a:endParaRPr lang="ko-KR" altLang="en-US"/>
+          </a:p>
+        </p:txBody>
+      </p:sp>
     </p:spTree>
     <p:extLst>
       <p:ext uri="{BB962C8B-B14F-4D97-AF65-F5344CB8AC3E}">
@@ -12790,6 +13385,29 @@
           </a:p>
         </p:txBody>
       </p:sp>
+      <p:sp>
+        <p:nvSpPr>
+          <p:cNvPr id="4" name="슬라이드 번호 개체 틀 3"/>
+          <p:cNvSpPr>
+            <a:spLocks noGrp="1"/>
+          </p:cNvSpPr>
+          <p:nvPr>
+            <p:ph type="sldNum" sz="quarter" idx="12"/>
+          </p:nvPr>
+        </p:nvSpPr>
+        <p:spPr/>
+        <p:txBody>
+          <a:bodyPr/>
+          <a:lstStyle/>
+          <a:p>
+            <a:fld id="{6CA5DE3E-8F8B-446D-8018-C0B17D99852C}" type="slidenum">
+              <a:rPr lang="ko-KR" altLang="en-US" smtClean="0"/>
+              <a:t>33</a:t>
+            </a:fld>
+            <a:endParaRPr lang="ko-KR" altLang="en-US"/>
+          </a:p>
+        </p:txBody>
+      </p:sp>
     </p:spTree>
     <p:extLst>
       <p:ext uri="{BB962C8B-B14F-4D97-AF65-F5344CB8AC3E}">
@@ -12977,6 +13595,29 @@
               <a:buNone/>
             </a:pPr>
             <a:endParaRPr lang="ko-KR" altLang="en-US" sz="2000" dirty="0" smtClean="0"/>
+          </a:p>
+        </p:txBody>
+      </p:sp>
+      <p:sp>
+        <p:nvSpPr>
+          <p:cNvPr id="4" name="슬라이드 번호 개체 틀 3"/>
+          <p:cNvSpPr>
+            <a:spLocks noGrp="1"/>
+          </p:cNvSpPr>
+          <p:nvPr>
+            <p:ph type="sldNum" sz="quarter" idx="12"/>
+          </p:nvPr>
+        </p:nvSpPr>
+        <p:spPr/>
+        <p:txBody>
+          <a:bodyPr/>
+          <a:lstStyle/>
+          <a:p>
+            <a:fld id="{6CA5DE3E-8F8B-446D-8018-C0B17D99852C}" type="slidenum">
+              <a:rPr lang="ko-KR" altLang="en-US" smtClean="0"/>
+              <a:t>34</a:t>
+            </a:fld>
+            <a:endParaRPr lang="ko-KR" altLang="en-US"/>
           </a:p>
         </p:txBody>
       </p:sp>
@@ -13683,6 +14324,29 @@
           </a:extLst>
         </p:spPr>
       </p:pic>
+      <p:sp>
+        <p:nvSpPr>
+          <p:cNvPr id="5" name="슬라이드 번호 개체 틀 4"/>
+          <p:cNvSpPr>
+            <a:spLocks noGrp="1"/>
+          </p:cNvSpPr>
+          <p:nvPr>
+            <p:ph type="sldNum" sz="quarter" idx="12"/>
+          </p:nvPr>
+        </p:nvSpPr>
+        <p:spPr/>
+        <p:txBody>
+          <a:bodyPr/>
+          <a:lstStyle/>
+          <a:p>
+            <a:fld id="{6CA5DE3E-8F8B-446D-8018-C0B17D99852C}" type="slidenum">
+              <a:rPr lang="ko-KR" altLang="en-US" smtClean="0"/>
+              <a:t>35</a:t>
+            </a:fld>
+            <a:endParaRPr lang="ko-KR" altLang="en-US"/>
+          </a:p>
+        </p:txBody>
+      </p:sp>
     </p:spTree>
     <p:extLst>
       <p:ext uri="{BB962C8B-B14F-4D97-AF65-F5344CB8AC3E}">
@@ -14462,6 +15126,29 @@
           </a:p>
         </p:txBody>
       </p:sp>
+      <p:sp>
+        <p:nvSpPr>
+          <p:cNvPr id="10" name="슬라이드 번호 개체 틀 9"/>
+          <p:cNvSpPr>
+            <a:spLocks noGrp="1"/>
+          </p:cNvSpPr>
+          <p:nvPr>
+            <p:ph type="sldNum" sz="quarter" idx="12"/>
+          </p:nvPr>
+        </p:nvSpPr>
+        <p:spPr/>
+        <p:txBody>
+          <a:bodyPr/>
+          <a:lstStyle/>
+          <a:p>
+            <a:fld id="{6CA5DE3E-8F8B-446D-8018-C0B17D99852C}" type="slidenum">
+              <a:rPr lang="ko-KR" altLang="en-US" smtClean="0"/>
+              <a:t>36</a:t>
+            </a:fld>
+            <a:endParaRPr lang="ko-KR" altLang="en-US"/>
+          </a:p>
+        </p:txBody>
+      </p:sp>
     </p:spTree>
     <p:extLst>
       <p:ext uri="{BB962C8B-B14F-4D97-AF65-F5344CB8AC3E}">
@@ -14647,6 +15334,29 @@
           </a:p>
         </p:txBody>
       </p:sp>
+      <p:sp>
+        <p:nvSpPr>
+          <p:cNvPr id="4" name="슬라이드 번호 개체 틀 3"/>
+          <p:cNvSpPr>
+            <a:spLocks noGrp="1"/>
+          </p:cNvSpPr>
+          <p:nvPr>
+            <p:ph type="sldNum" sz="quarter" idx="12"/>
+          </p:nvPr>
+        </p:nvSpPr>
+        <p:spPr/>
+        <p:txBody>
+          <a:bodyPr/>
+          <a:lstStyle/>
+          <a:p>
+            <a:fld id="{6CA5DE3E-8F8B-446D-8018-C0B17D99852C}" type="slidenum">
+              <a:rPr lang="ko-KR" altLang="en-US" smtClean="0"/>
+              <a:t>37</a:t>
+            </a:fld>
+            <a:endParaRPr lang="ko-KR" altLang="en-US"/>
+          </a:p>
+        </p:txBody>
+      </p:sp>
     </p:spTree>
     <p:extLst>
       <p:ext uri="{BB962C8B-B14F-4D97-AF65-F5344CB8AC3E}">
@@ -14734,14 +15444,34 @@
               </a:lnSpc>
             </a:pPr>
             <a:r>
-              <a:rPr lang="en-US" altLang="ko-KR" sz="2000" dirty="0" smtClean="0"/>
+              <a:rPr lang="en-US" altLang="ko-KR" sz="1600" dirty="0" smtClean="0"/>
+              <a:t>length : </a:t>
+            </a:r>
+            <a:r>
+              <a:rPr lang="ko-KR" altLang="en-US" sz="1600" dirty="0" smtClean="0"/>
+              <a:t>벡터의 길이</a:t>
+            </a:r>
+            <a:endParaRPr lang="en-US" altLang="ko-KR" sz="1600" dirty="0" smtClean="0"/>
+          </a:p>
+          <a:p>
+            <a:pPr>
+              <a:lnSpc>
+                <a:spcPct val="150000"/>
+              </a:lnSpc>
+            </a:pPr>
+            <a:r>
+              <a:rPr lang="en-US" altLang="ko-KR" sz="1600" dirty="0" smtClean="0"/>
               <a:t>names : </a:t>
             </a:r>
             <a:r>
-              <a:rPr lang="ko-KR" altLang="en-US" sz="2000" dirty="0" smtClean="0"/>
-              <a:t>벡터에 이름 부여</a:t>
-            </a:r>
-            <a:endParaRPr lang="en-US" altLang="ko-KR" sz="2000" dirty="0" smtClean="0"/>
+              <a:rPr lang="ko-KR" altLang="en-US" sz="1600" dirty="0" smtClean="0"/>
+              <a:t>벡터에 이름 </a:t>
+            </a:r>
+            <a:r>
+              <a:rPr lang="ko-KR" altLang="en-US" sz="1600" dirty="0" smtClean="0"/>
+              <a:t>부여</a:t>
+            </a:r>
+            <a:endParaRPr lang="en-US" altLang="ko-KR" sz="1600" dirty="0" smtClean="0"/>
           </a:p>
           <a:p>
             <a:pPr>
@@ -14750,18 +15480,58 @@
               </a:lnSpc>
             </a:pPr>
             <a:r>
-              <a:rPr lang="en-US" altLang="ko-KR" sz="2000" dirty="0" err="1" smtClean="0"/>
+              <a:rPr lang="en-US" altLang="ko-KR" sz="1600" dirty="0" err="1"/>
+              <a:t>nrow</a:t>
+            </a:r>
+            <a:r>
+              <a:rPr lang="en-US" altLang="ko-KR" sz="1600" dirty="0"/>
+              <a:t> : </a:t>
+            </a:r>
+            <a:r>
+              <a:rPr lang="ko-KR" altLang="en-US" sz="1600" dirty="0"/>
+              <a:t>행수</a:t>
+            </a:r>
+            <a:endParaRPr lang="en-US" altLang="ko-KR" sz="1600" dirty="0"/>
+          </a:p>
+          <a:p>
+            <a:pPr>
+              <a:lnSpc>
+                <a:spcPct val="150000"/>
+              </a:lnSpc>
+            </a:pPr>
+            <a:r>
+              <a:rPr lang="en-US" altLang="ko-KR" sz="1600" dirty="0" err="1"/>
+              <a:t>ncol</a:t>
+            </a:r>
+            <a:r>
+              <a:rPr lang="en-US" altLang="ko-KR" sz="1600" dirty="0"/>
+              <a:t> : </a:t>
+            </a:r>
+            <a:r>
+              <a:rPr lang="ko-KR" altLang="en-US" sz="1600" dirty="0" smtClean="0"/>
+              <a:t>열수</a:t>
+            </a:r>
+            <a:endParaRPr lang="en-US" altLang="ko-KR" sz="1600" dirty="0" smtClean="0"/>
+          </a:p>
+          <a:p>
+            <a:pPr>
+              <a:lnSpc>
+                <a:spcPct val="150000"/>
+              </a:lnSpc>
+            </a:pPr>
+            <a:r>
+              <a:rPr lang="en-US" altLang="ko-KR" sz="1600" dirty="0" err="1" smtClean="0"/>
               <a:t>colnames</a:t>
             </a:r>
             <a:r>
-              <a:rPr lang="en-US" altLang="ko-KR" sz="2000" dirty="0" smtClean="0"/>
+              <a:rPr lang="en-US" altLang="ko-KR" sz="1600" dirty="0" smtClean="0"/>
               <a:t>  : </a:t>
             </a:r>
             <a:r>
-              <a:rPr lang="ko-KR" altLang="en-US" sz="2000" dirty="0" smtClean="0"/>
+              <a:rPr lang="ko-KR" altLang="en-US" sz="1600" dirty="0" smtClean="0"/>
               <a:t>열 이름</a:t>
             </a:r>
-            <a:endParaRPr lang="en-US" altLang="ko-KR" sz="2000" dirty="0" smtClean="0"/>
+            <a:endParaRPr lang="en-US" altLang="ko-KR" sz="1600" dirty="0" smtClean="0"/>
           </a:p>
           <a:p>
             <a:pPr>
@@ -14770,18 +15540,18 @@
               </a:lnSpc>
             </a:pPr>
             <a:r>
-              <a:rPr lang="en-US" altLang="ko-KR" sz="2000" dirty="0" err="1" smtClean="0"/>
+              <a:rPr lang="en-US" altLang="ko-KR" sz="1600" dirty="0" err="1" smtClean="0"/>
               <a:t>rownames</a:t>
             </a:r>
             <a:r>
-              <a:rPr lang="en-US" altLang="ko-KR" sz="2000" dirty="0" smtClean="0"/>
+              <a:rPr lang="en-US" altLang="ko-KR" sz="1600" dirty="0" smtClean="0"/>
               <a:t>  : </a:t>
             </a:r>
             <a:r>
-              <a:rPr lang="ko-KR" altLang="en-US" sz="2000" dirty="0" smtClean="0"/>
+              <a:rPr lang="ko-KR" altLang="en-US" sz="1600" dirty="0" smtClean="0"/>
               <a:t>행 이름</a:t>
             </a:r>
-            <a:endParaRPr lang="en-US" altLang="ko-KR" sz="2000" dirty="0" smtClean="0"/>
+            <a:endParaRPr lang="en-US" altLang="ko-KR" sz="1600" dirty="0" smtClean="0"/>
           </a:p>
           <a:p>
             <a:pPr>
@@ -14790,39 +15560,39 @@
               </a:lnSpc>
             </a:pPr>
             <a:r>
-              <a:rPr lang="en-US" altLang="ko-KR" sz="2000" dirty="0" smtClean="0"/>
+              <a:rPr lang="en-US" altLang="ko-KR" sz="1600" dirty="0" smtClean="0"/>
               <a:t>NULL/NA </a:t>
             </a:r>
             <a:r>
-              <a:rPr lang="ko-KR" altLang="en-US" sz="2000" dirty="0" smtClean="0"/>
+              <a:rPr lang="ko-KR" altLang="en-US" sz="1600" dirty="0" smtClean="0"/>
               <a:t>처리 </a:t>
             </a:r>
             <a:r>
-              <a:rPr lang="en-US" altLang="ko-KR" sz="2000" dirty="0" smtClean="0"/>
+              <a:rPr lang="en-US" altLang="ko-KR" sz="1600" dirty="0" smtClean="0"/>
               <a:t>: is.na(</a:t>
             </a:r>
             <a:r>
-              <a:rPr lang="ko-KR" altLang="en-US" sz="2000" dirty="0" smtClean="0"/>
+              <a:rPr lang="ko-KR" altLang="en-US" sz="1600" dirty="0" smtClean="0"/>
               <a:t>객체</a:t>
             </a:r>
             <a:r>
-              <a:rPr lang="en-US" altLang="ko-KR" sz="2000" dirty="0" smtClean="0"/>
+              <a:rPr lang="en-US" altLang="ko-KR" sz="1600" dirty="0" smtClean="0"/>
               <a:t>), </a:t>
             </a:r>
             <a:r>
-              <a:rPr lang="en-US" altLang="ko-KR" sz="2000" dirty="0" err="1" smtClean="0"/>
+              <a:rPr lang="en-US" altLang="ko-KR" sz="1600" dirty="0" err="1" smtClean="0"/>
               <a:t>is.null</a:t>
             </a:r>
             <a:r>
-              <a:rPr lang="en-US" altLang="ko-KR" sz="2000" dirty="0" smtClean="0"/>
+              <a:rPr lang="en-US" altLang="ko-KR" sz="1600" dirty="0" smtClean="0"/>
               <a:t>(</a:t>
             </a:r>
             <a:r>
-              <a:rPr lang="ko-KR" altLang="en-US" sz="2000" dirty="0" smtClean="0"/>
+              <a:rPr lang="ko-KR" altLang="en-US" sz="1600" dirty="0" smtClean="0"/>
               <a:t>객체</a:t>
             </a:r>
             <a:r>
-              <a:rPr lang="en-US" altLang="ko-KR" sz="2000" dirty="0" smtClean="0"/>
+              <a:rPr lang="en-US" altLang="ko-KR" sz="1600" dirty="0" smtClean="0"/>
               <a:t>)</a:t>
             </a:r>
           </a:p>
@@ -14833,14 +15603,14 @@
               </a:lnSpc>
             </a:pPr>
             <a:r>
-              <a:rPr lang="en-US" altLang="ko-KR" sz="2000" dirty="0" smtClean="0"/>
+              <a:rPr lang="en-US" altLang="ko-KR" sz="1600" dirty="0" smtClean="0"/>
               <a:t>which : </a:t>
             </a:r>
             <a:r>
-              <a:rPr lang="ko-KR" altLang="en-US" sz="2000" dirty="0" smtClean="0"/>
+              <a:rPr lang="ko-KR" altLang="en-US" sz="1600" dirty="0" smtClean="0"/>
               <a:t>인덱스 위치</a:t>
             </a:r>
-            <a:endParaRPr lang="en-US" altLang="ko-KR" sz="2000" dirty="0" smtClean="0"/>
+            <a:endParaRPr lang="en-US" altLang="ko-KR" sz="1600" dirty="0" smtClean="0"/>
           </a:p>
           <a:p>
             <a:pPr>
@@ -14849,18 +15619,18 @@
               </a:lnSpc>
             </a:pPr>
             <a:r>
-              <a:rPr lang="en-US" altLang="ko-KR" sz="2000" dirty="0" smtClean="0"/>
+              <a:rPr lang="en-US" altLang="ko-KR" sz="1600" dirty="0" smtClean="0"/>
               <a:t>paste : </a:t>
             </a:r>
             <a:r>
-              <a:rPr lang="ko-KR" altLang="en-US" sz="2000" dirty="0" smtClean="0"/>
+              <a:rPr lang="ko-KR" altLang="en-US" sz="1600" dirty="0" smtClean="0"/>
               <a:t>문자열을 </a:t>
             </a:r>
             <a:r>
-              <a:rPr lang="ko-KR" altLang="en-US" sz="2000" dirty="0" err="1" smtClean="0"/>
+              <a:rPr lang="ko-KR" altLang="en-US" sz="1600" dirty="0" err="1" smtClean="0"/>
               <a:t>붙일때</a:t>
             </a:r>
-            <a:endParaRPr lang="en-US" altLang="ko-KR" sz="2000" dirty="0" smtClean="0"/>
+            <a:endParaRPr lang="en-US" altLang="ko-KR" sz="1600" dirty="0" smtClean="0"/>
           </a:p>
           <a:p>
             <a:pPr>
@@ -14869,11 +15639,11 @@
               </a:lnSpc>
             </a:pPr>
             <a:r>
-              <a:rPr lang="en-US" altLang="ko-KR" sz="2000" dirty="0" err="1" smtClean="0"/>
+              <a:rPr lang="en-US" altLang="ko-KR" sz="1600" dirty="0" err="1" smtClean="0"/>
               <a:t>unlist</a:t>
             </a:r>
             <a:r>
-              <a:rPr lang="en-US" altLang="ko-KR" sz="2000" dirty="0" smtClean="0"/>
+              <a:rPr lang="en-US" altLang="ko-KR" sz="1600" dirty="0" smtClean="0"/>
               <a:t>  </a:t>
             </a:r>
           </a:p>
@@ -14884,14 +15654,14 @@
               </a:lnSpc>
             </a:pPr>
             <a:r>
-              <a:rPr lang="en-US" altLang="ko-KR" sz="2000" dirty="0" smtClean="0"/>
+              <a:rPr lang="en-US" altLang="ko-KR" sz="1600" dirty="0" smtClean="0"/>
               <a:t>sort : </a:t>
             </a:r>
             <a:r>
-              <a:rPr lang="ko-KR" altLang="en-US" sz="2000" dirty="0" smtClean="0"/>
+              <a:rPr lang="ko-KR" altLang="en-US" sz="1600" dirty="0" smtClean="0"/>
               <a:t>정렬</a:t>
             </a:r>
-            <a:endParaRPr lang="en-US" altLang="ko-KR" sz="2000" dirty="0" smtClean="0"/>
+            <a:endParaRPr lang="en-US" altLang="ko-KR" sz="1600" dirty="0" smtClean="0"/>
           </a:p>
           <a:p>
             <a:pPr>
@@ -14900,14 +15670,14 @@
               </a:lnSpc>
             </a:pPr>
             <a:r>
-              <a:rPr lang="en-US" altLang="ko-KR" sz="2000" dirty="0" smtClean="0"/>
+              <a:rPr lang="en-US" altLang="ko-KR" sz="1600" dirty="0" smtClean="0"/>
               <a:t>order : </a:t>
             </a:r>
             <a:r>
-              <a:rPr lang="ko-KR" altLang="en-US" sz="2000" dirty="0" smtClean="0"/>
+              <a:rPr lang="ko-KR" altLang="en-US" sz="1600" dirty="0" smtClean="0"/>
               <a:t>정렬 색인</a:t>
             </a:r>
-            <a:endParaRPr lang="en-US" altLang="ko-KR" sz="2000" dirty="0" smtClean="0"/>
+            <a:endParaRPr lang="en-US" altLang="ko-KR" sz="1600" dirty="0" smtClean="0"/>
           </a:p>
           <a:p>
             <a:pPr>
@@ -14916,9 +15686,32 @@
               </a:lnSpc>
             </a:pPr>
             <a:r>
-              <a:rPr lang="en-US" altLang="ko-KR" sz="2000" dirty="0" smtClean="0"/>
+              <a:rPr lang="en-US" altLang="ko-KR" sz="1600" dirty="0" smtClean="0"/>
               <a:t>….</a:t>
             </a:r>
+          </a:p>
+        </p:txBody>
+      </p:sp>
+      <p:sp>
+        <p:nvSpPr>
+          <p:cNvPr id="4" name="슬라이드 번호 개체 틀 3"/>
+          <p:cNvSpPr>
+            <a:spLocks noGrp="1"/>
+          </p:cNvSpPr>
+          <p:nvPr>
+            <p:ph type="sldNum" sz="quarter" idx="12"/>
+          </p:nvPr>
+        </p:nvSpPr>
+        <p:spPr/>
+        <p:txBody>
+          <a:bodyPr/>
+          <a:lstStyle/>
+          <a:p>
+            <a:fld id="{6CA5DE3E-8F8B-446D-8018-C0B17D99852C}" type="slidenum">
+              <a:rPr lang="ko-KR" altLang="en-US" smtClean="0"/>
+              <a:t>38</a:t>
+            </a:fld>
+            <a:endParaRPr lang="ko-KR" altLang="en-US"/>
           </a:p>
         </p:txBody>
       </p:sp>
@@ -15092,6 +15885,29 @@
           </a:extLst>
         </p:spPr>
       </p:pic>
+      <p:sp>
+        <p:nvSpPr>
+          <p:cNvPr id="4" name="슬라이드 번호 개체 틀 3"/>
+          <p:cNvSpPr>
+            <a:spLocks noGrp="1"/>
+          </p:cNvSpPr>
+          <p:nvPr>
+            <p:ph type="sldNum" sz="quarter" idx="12"/>
+          </p:nvPr>
+        </p:nvSpPr>
+        <p:spPr/>
+        <p:txBody>
+          <a:bodyPr/>
+          <a:lstStyle/>
+          <a:p>
+            <a:fld id="{6CA5DE3E-8F8B-446D-8018-C0B17D99852C}" type="slidenum">
+              <a:rPr lang="ko-KR" altLang="en-US" smtClean="0"/>
+              <a:t>39</a:t>
+            </a:fld>
+            <a:endParaRPr lang="ko-KR" altLang="en-US"/>
+          </a:p>
+        </p:txBody>
+      </p:sp>
     </p:spTree>
     <p:extLst>
       <p:ext uri="{BB962C8B-B14F-4D97-AF65-F5344CB8AC3E}">
@@ -15367,6 +16183,29 @@
           </a:extLst>
         </p:spPr>
       </p:pic>
+      <p:sp>
+        <p:nvSpPr>
+          <p:cNvPr id="4" name="슬라이드 번호 개체 틀 3"/>
+          <p:cNvSpPr>
+            <a:spLocks noGrp="1"/>
+          </p:cNvSpPr>
+          <p:nvPr>
+            <p:ph type="sldNum" sz="quarter" idx="12"/>
+          </p:nvPr>
+        </p:nvSpPr>
+        <p:spPr/>
+        <p:txBody>
+          <a:bodyPr/>
+          <a:lstStyle/>
+          <a:p>
+            <a:fld id="{6CA5DE3E-8F8B-446D-8018-C0B17D99852C}" type="slidenum">
+              <a:rPr lang="ko-KR" altLang="en-US" smtClean="0"/>
+              <a:t>4</a:t>
+            </a:fld>
+            <a:endParaRPr lang="ko-KR" altLang="en-US"/>
+          </a:p>
+        </p:txBody>
+      </p:sp>
     </p:spTree>
     <p:extLst>
       <p:ext uri="{BB962C8B-B14F-4D97-AF65-F5344CB8AC3E}">
@@ -15633,6 +16472,29 @@
           </a:extLst>
         </p:spPr>
       </p:pic>
+      <p:sp>
+        <p:nvSpPr>
+          <p:cNvPr id="4" name="슬라이드 번호 개체 틀 3"/>
+          <p:cNvSpPr>
+            <a:spLocks noGrp="1"/>
+          </p:cNvSpPr>
+          <p:nvPr>
+            <p:ph type="sldNum" sz="quarter" idx="12"/>
+          </p:nvPr>
+        </p:nvSpPr>
+        <p:spPr/>
+        <p:txBody>
+          <a:bodyPr/>
+          <a:lstStyle/>
+          <a:p>
+            <a:fld id="{6CA5DE3E-8F8B-446D-8018-C0B17D99852C}" type="slidenum">
+              <a:rPr lang="ko-KR" altLang="en-US" smtClean="0"/>
+              <a:t>40</a:t>
+            </a:fld>
+            <a:endParaRPr lang="ko-KR" altLang="en-US"/>
+          </a:p>
+        </p:txBody>
+      </p:sp>
     </p:spTree>
     <p:extLst>
       <p:ext uri="{BB962C8B-B14F-4D97-AF65-F5344CB8AC3E}">
@@ -15864,6 +16726,29 @@
               <a:t>최고점 과목</a:t>
             </a:r>
             <a:endParaRPr lang="en-US" altLang="ko-KR" dirty="0" smtClean="0"/>
+          </a:p>
+        </p:txBody>
+      </p:sp>
+      <p:sp>
+        <p:nvSpPr>
+          <p:cNvPr id="4" name="슬라이드 번호 개체 틀 3"/>
+          <p:cNvSpPr>
+            <a:spLocks noGrp="1"/>
+          </p:cNvSpPr>
+          <p:nvPr>
+            <p:ph type="sldNum" sz="quarter" idx="12"/>
+          </p:nvPr>
+        </p:nvSpPr>
+        <p:spPr/>
+        <p:txBody>
+          <a:bodyPr/>
+          <a:lstStyle/>
+          <a:p>
+            <a:fld id="{6CA5DE3E-8F8B-446D-8018-C0B17D99852C}" type="slidenum">
+              <a:rPr lang="ko-KR" altLang="en-US" smtClean="0"/>
+              <a:t>41</a:t>
+            </a:fld>
+            <a:endParaRPr lang="ko-KR" altLang="en-US"/>
           </a:p>
         </p:txBody>
       </p:sp>
@@ -16106,6 +16991,29 @@
           </a:p>
         </p:txBody>
       </p:sp>
+      <p:sp>
+        <p:nvSpPr>
+          <p:cNvPr id="4" name="슬라이드 번호 개체 틀 3"/>
+          <p:cNvSpPr>
+            <a:spLocks noGrp="1"/>
+          </p:cNvSpPr>
+          <p:nvPr>
+            <p:ph type="sldNum" sz="quarter" idx="12"/>
+          </p:nvPr>
+        </p:nvSpPr>
+        <p:spPr/>
+        <p:txBody>
+          <a:bodyPr/>
+          <a:lstStyle/>
+          <a:p>
+            <a:fld id="{6CA5DE3E-8F8B-446D-8018-C0B17D99852C}" type="slidenum">
+              <a:rPr lang="ko-KR" altLang="en-US" smtClean="0"/>
+              <a:t>42</a:t>
+            </a:fld>
+            <a:endParaRPr lang="ko-KR" altLang="en-US"/>
+          </a:p>
+        </p:txBody>
+      </p:sp>
     </p:spTree>
     <p:extLst>
       <p:ext uri="{BB962C8B-B14F-4D97-AF65-F5344CB8AC3E}">
@@ -16277,6 +17185,29 @@
               <a:t>열 최대값</a:t>
             </a:r>
             <a:endParaRPr lang="en-US" altLang="ko-KR" dirty="0" smtClean="0"/>
+          </a:p>
+        </p:txBody>
+      </p:sp>
+      <p:sp>
+        <p:nvSpPr>
+          <p:cNvPr id="4" name="슬라이드 번호 개체 틀 3"/>
+          <p:cNvSpPr>
+            <a:spLocks noGrp="1"/>
+          </p:cNvSpPr>
+          <p:nvPr>
+            <p:ph type="sldNum" sz="quarter" idx="12"/>
+          </p:nvPr>
+        </p:nvSpPr>
+        <p:spPr/>
+        <p:txBody>
+          <a:bodyPr/>
+          <a:lstStyle/>
+          <a:p>
+            <a:fld id="{6CA5DE3E-8F8B-446D-8018-C0B17D99852C}" type="slidenum">
+              <a:rPr lang="ko-KR" altLang="en-US" smtClean="0"/>
+              <a:t>43</a:t>
+            </a:fld>
+            <a:endParaRPr lang="ko-KR" altLang="en-US"/>
           </a:p>
         </p:txBody>
       </p:sp>
@@ -16437,6 +17368,29 @@
           </a:p>
         </p:txBody>
       </p:sp>
+      <p:sp>
+        <p:nvSpPr>
+          <p:cNvPr id="3" name="슬라이드 번호 개체 틀 2"/>
+          <p:cNvSpPr>
+            <a:spLocks noGrp="1"/>
+          </p:cNvSpPr>
+          <p:nvPr>
+            <p:ph type="sldNum" sz="quarter" idx="12"/>
+          </p:nvPr>
+        </p:nvSpPr>
+        <p:spPr/>
+        <p:txBody>
+          <a:bodyPr/>
+          <a:lstStyle/>
+          <a:p>
+            <a:fld id="{6CA5DE3E-8F8B-446D-8018-C0B17D99852C}" type="slidenum">
+              <a:rPr lang="ko-KR" altLang="en-US" smtClean="0"/>
+              <a:t>44</a:t>
+            </a:fld>
+            <a:endParaRPr lang="ko-KR" altLang="en-US"/>
+          </a:p>
+        </p:txBody>
+      </p:sp>
     </p:spTree>
     <p:extLst>
       <p:ext uri="{BB962C8B-B14F-4D97-AF65-F5344CB8AC3E}">
@@ -16775,6 +17729,29 @@
           </a:p>
         </p:txBody>
       </p:sp>
+      <p:sp>
+        <p:nvSpPr>
+          <p:cNvPr id="4" name="슬라이드 번호 개체 틀 3"/>
+          <p:cNvSpPr>
+            <a:spLocks noGrp="1"/>
+          </p:cNvSpPr>
+          <p:nvPr>
+            <p:ph type="sldNum" sz="quarter" idx="12"/>
+          </p:nvPr>
+        </p:nvSpPr>
+        <p:spPr/>
+        <p:txBody>
+          <a:bodyPr/>
+          <a:lstStyle/>
+          <a:p>
+            <a:fld id="{6CA5DE3E-8F8B-446D-8018-C0B17D99852C}" type="slidenum">
+              <a:rPr lang="ko-KR" altLang="en-US" smtClean="0"/>
+              <a:t>45</a:t>
+            </a:fld>
+            <a:endParaRPr lang="ko-KR" altLang="en-US"/>
+          </a:p>
+        </p:txBody>
+      </p:sp>
     </p:spTree>
     <p:extLst>
       <p:ext uri="{BB962C8B-B14F-4D97-AF65-F5344CB8AC3E}">
@@ -16972,6 +17949,29 @@
           </a:p>
         </p:txBody>
       </p:sp>
+      <p:sp>
+        <p:nvSpPr>
+          <p:cNvPr id="4" name="슬라이드 번호 개체 틀 3"/>
+          <p:cNvSpPr>
+            <a:spLocks noGrp="1"/>
+          </p:cNvSpPr>
+          <p:nvPr>
+            <p:ph type="sldNum" sz="quarter" idx="12"/>
+          </p:nvPr>
+        </p:nvSpPr>
+        <p:spPr/>
+        <p:txBody>
+          <a:bodyPr/>
+          <a:lstStyle/>
+          <a:p>
+            <a:fld id="{6CA5DE3E-8F8B-446D-8018-C0B17D99852C}" type="slidenum">
+              <a:rPr lang="ko-KR" altLang="en-US" smtClean="0"/>
+              <a:t>46</a:t>
+            </a:fld>
+            <a:endParaRPr lang="ko-KR" altLang="en-US"/>
+          </a:p>
+        </p:txBody>
+      </p:sp>
     </p:spTree>
     <p:extLst>
       <p:ext uri="{BB962C8B-B14F-4D97-AF65-F5344CB8AC3E}">
@@ -17179,6 +18179,29 @@
               </a:lnSpc>
             </a:pPr>
             <a:endParaRPr lang="en-US" altLang="ko-KR" sz="2000" dirty="0" smtClean="0"/>
+          </a:p>
+        </p:txBody>
+      </p:sp>
+      <p:sp>
+        <p:nvSpPr>
+          <p:cNvPr id="4" name="슬라이드 번호 개체 틀 3"/>
+          <p:cNvSpPr>
+            <a:spLocks noGrp="1"/>
+          </p:cNvSpPr>
+          <p:nvPr>
+            <p:ph type="sldNum" sz="quarter" idx="12"/>
+          </p:nvPr>
+        </p:nvSpPr>
+        <p:spPr/>
+        <p:txBody>
+          <a:bodyPr/>
+          <a:lstStyle/>
+          <a:p>
+            <a:fld id="{6CA5DE3E-8F8B-446D-8018-C0B17D99852C}" type="slidenum">
+              <a:rPr lang="ko-KR" altLang="en-US" smtClean="0"/>
+              <a:t>47</a:t>
+            </a:fld>
+            <a:endParaRPr lang="ko-KR" altLang="en-US"/>
           </a:p>
         </p:txBody>
       </p:sp>
@@ -17467,6 +18490,29 @@
           </a:extLst>
         </p:spPr>
       </p:pic>
+      <p:sp>
+        <p:nvSpPr>
+          <p:cNvPr id="5" name="슬라이드 번호 개체 틀 4"/>
+          <p:cNvSpPr>
+            <a:spLocks noGrp="1"/>
+          </p:cNvSpPr>
+          <p:nvPr>
+            <p:ph type="sldNum" sz="quarter" idx="12"/>
+          </p:nvPr>
+        </p:nvSpPr>
+        <p:spPr/>
+        <p:txBody>
+          <a:bodyPr/>
+          <a:lstStyle/>
+          <a:p>
+            <a:fld id="{6CA5DE3E-8F8B-446D-8018-C0B17D99852C}" type="slidenum">
+              <a:rPr lang="ko-KR" altLang="en-US" smtClean="0"/>
+              <a:t>48</a:t>
+            </a:fld>
+            <a:endParaRPr lang="ko-KR" altLang="en-US"/>
+          </a:p>
+        </p:txBody>
+      </p:sp>
     </p:spTree>
     <p:extLst>
       <p:ext uri="{BB962C8B-B14F-4D97-AF65-F5344CB8AC3E}">
@@ -18082,6 +19128,29 @@
           </a:p>
         </p:txBody>
       </p:sp>
+      <p:sp>
+        <p:nvSpPr>
+          <p:cNvPr id="3" name="슬라이드 번호 개체 틀 2"/>
+          <p:cNvSpPr>
+            <a:spLocks noGrp="1"/>
+          </p:cNvSpPr>
+          <p:nvPr>
+            <p:ph type="sldNum" sz="quarter" idx="12"/>
+          </p:nvPr>
+        </p:nvSpPr>
+        <p:spPr/>
+        <p:txBody>
+          <a:bodyPr/>
+          <a:lstStyle/>
+          <a:p>
+            <a:fld id="{6CA5DE3E-8F8B-446D-8018-C0B17D99852C}" type="slidenum">
+              <a:rPr lang="ko-KR" altLang="en-US" smtClean="0"/>
+              <a:t>49</a:t>
+            </a:fld>
+            <a:endParaRPr lang="ko-KR" altLang="en-US"/>
+          </a:p>
+        </p:txBody>
+      </p:sp>
     </p:spTree>
     <p:extLst>
       <p:ext uri="{BB962C8B-B14F-4D97-AF65-F5344CB8AC3E}">
@@ -18292,6 +19361,29 @@
               </a:lnSpc>
             </a:pPr>
             <a:endParaRPr lang="ko-KR" altLang="en-US" dirty="0"/>
+          </a:p>
+        </p:txBody>
+      </p:sp>
+      <p:sp>
+        <p:nvSpPr>
+          <p:cNvPr id="4" name="슬라이드 번호 개체 틀 3"/>
+          <p:cNvSpPr>
+            <a:spLocks noGrp="1"/>
+          </p:cNvSpPr>
+          <p:nvPr>
+            <p:ph type="sldNum" sz="quarter" idx="12"/>
+          </p:nvPr>
+        </p:nvSpPr>
+        <p:spPr/>
+        <p:txBody>
+          <a:bodyPr/>
+          <a:lstStyle/>
+          <a:p>
+            <a:fld id="{6CA5DE3E-8F8B-446D-8018-C0B17D99852C}" type="slidenum">
+              <a:rPr lang="ko-KR" altLang="en-US" smtClean="0"/>
+              <a:t>5</a:t>
+            </a:fld>
+            <a:endParaRPr lang="ko-KR" altLang="en-US"/>
           </a:p>
         </p:txBody>
       </p:sp>
@@ -19082,6 +20174,29 @@
           </a:p>
         </p:txBody>
       </p:sp>
+      <p:sp>
+        <p:nvSpPr>
+          <p:cNvPr id="3" name="슬라이드 번호 개체 틀 2"/>
+          <p:cNvSpPr>
+            <a:spLocks noGrp="1"/>
+          </p:cNvSpPr>
+          <p:nvPr>
+            <p:ph type="sldNum" sz="quarter" idx="12"/>
+          </p:nvPr>
+        </p:nvSpPr>
+        <p:spPr/>
+        <p:txBody>
+          <a:bodyPr/>
+          <a:lstStyle/>
+          <a:p>
+            <a:fld id="{6CA5DE3E-8F8B-446D-8018-C0B17D99852C}" type="slidenum">
+              <a:rPr lang="ko-KR" altLang="en-US" smtClean="0"/>
+              <a:t>50</a:t>
+            </a:fld>
+            <a:endParaRPr lang="ko-KR" altLang="en-US"/>
+          </a:p>
+        </p:txBody>
+      </p:sp>
     </p:spTree>
     <p:extLst>
       <p:ext uri="{BB962C8B-B14F-4D97-AF65-F5344CB8AC3E}">
@@ -19242,6 +20357,29 @@
           </a:p>
         </p:txBody>
       </p:sp>
+      <p:sp>
+        <p:nvSpPr>
+          <p:cNvPr id="3" name="슬라이드 번호 개체 틀 2"/>
+          <p:cNvSpPr>
+            <a:spLocks noGrp="1"/>
+          </p:cNvSpPr>
+          <p:nvPr>
+            <p:ph type="sldNum" sz="quarter" idx="12"/>
+          </p:nvPr>
+        </p:nvSpPr>
+        <p:spPr/>
+        <p:txBody>
+          <a:bodyPr/>
+          <a:lstStyle/>
+          <a:p>
+            <a:fld id="{6CA5DE3E-8F8B-446D-8018-C0B17D99852C}" type="slidenum">
+              <a:rPr lang="ko-KR" altLang="en-US" smtClean="0"/>
+              <a:t>6</a:t>
+            </a:fld>
+            <a:endParaRPr lang="ko-KR" altLang="en-US"/>
+          </a:p>
+        </p:txBody>
+      </p:sp>
     </p:spTree>
     <p:extLst>
       <p:ext uri="{BB962C8B-B14F-4D97-AF65-F5344CB8AC3E}">
@@ -19372,6 +20510,29 @@
           </a:p>
         </p:txBody>
       </p:sp>
+      <p:sp>
+        <p:nvSpPr>
+          <p:cNvPr id="4" name="슬라이드 번호 개체 틀 3"/>
+          <p:cNvSpPr>
+            <a:spLocks noGrp="1"/>
+          </p:cNvSpPr>
+          <p:nvPr>
+            <p:ph type="sldNum" sz="quarter" idx="12"/>
+          </p:nvPr>
+        </p:nvSpPr>
+        <p:spPr/>
+        <p:txBody>
+          <a:bodyPr/>
+          <a:lstStyle/>
+          <a:p>
+            <a:fld id="{6CA5DE3E-8F8B-446D-8018-C0B17D99852C}" type="slidenum">
+              <a:rPr lang="ko-KR" altLang="en-US" smtClean="0"/>
+              <a:t>7</a:t>
+            </a:fld>
+            <a:endParaRPr lang="ko-KR" altLang="en-US"/>
+          </a:p>
+        </p:txBody>
+      </p:sp>
     </p:spTree>
     <p:extLst>
       <p:ext uri="{BB962C8B-B14F-4D97-AF65-F5344CB8AC3E}">
@@ -19635,6 +20796,29 @@
               <a:rPr lang="en-US" altLang="ko-KR" sz="2000" dirty="0" smtClean="0"/>
               <a:t>)</a:t>
             </a:r>
+          </a:p>
+        </p:txBody>
+      </p:sp>
+      <p:sp>
+        <p:nvSpPr>
+          <p:cNvPr id="4" name="슬라이드 번호 개체 틀 3"/>
+          <p:cNvSpPr>
+            <a:spLocks noGrp="1"/>
+          </p:cNvSpPr>
+          <p:nvPr>
+            <p:ph type="sldNum" sz="quarter" idx="12"/>
+          </p:nvPr>
+        </p:nvSpPr>
+        <p:spPr/>
+        <p:txBody>
+          <a:bodyPr/>
+          <a:lstStyle/>
+          <a:p>
+            <a:fld id="{6CA5DE3E-8F8B-446D-8018-C0B17D99852C}" type="slidenum">
+              <a:rPr lang="ko-KR" altLang="en-US" smtClean="0"/>
+              <a:t>8</a:t>
+            </a:fld>
+            <a:endParaRPr lang="ko-KR" altLang="en-US"/>
           </a:p>
         </p:txBody>
       </p:sp>
@@ -23739,6 +24923,29 @@
           </a:graphicData>
         </a:graphic>
       </p:graphicFrame>
+      <p:sp>
+        <p:nvSpPr>
+          <p:cNvPr id="3" name="슬라이드 번호 개체 틀 2"/>
+          <p:cNvSpPr>
+            <a:spLocks noGrp="1"/>
+          </p:cNvSpPr>
+          <p:nvPr>
+            <p:ph type="sldNum" sz="quarter" idx="12"/>
+          </p:nvPr>
+        </p:nvSpPr>
+        <p:spPr/>
+        <p:txBody>
+          <a:bodyPr/>
+          <a:lstStyle/>
+          <a:p>
+            <a:fld id="{6CA5DE3E-8F8B-446D-8018-C0B17D99852C}" type="slidenum">
+              <a:rPr lang="ko-KR" altLang="en-US" smtClean="0"/>
+              <a:t>9</a:t>
+            </a:fld>
+            <a:endParaRPr lang="ko-KR" altLang="en-US"/>
+          </a:p>
+        </p:txBody>
+      </p:sp>
     </p:spTree>
     <p:extLst>
       <p:ext uri="{BB962C8B-B14F-4D97-AF65-F5344CB8AC3E}">

--- a/산기대_R_강의.pptx
+++ b/산기대_R_강의.pptx
@@ -241,7 +241,7 @@
           <a:p>
             <a:fld id="{89FD9D3B-093A-47B3-867E-91F7916787E0}" type="datetimeFigureOut">
               <a:rPr lang="ko-KR" altLang="en-US" smtClean="0"/>
-              <a:t>2019-09-28</a:t>
+              <a:t>2019-10-01</a:t>
             </a:fld>
             <a:endParaRPr lang="ko-KR" altLang="en-US"/>
           </a:p>
@@ -574,7 +574,7 @@
           <a:p>
             <a:fld id="{3AA1EC6A-F945-44A1-81F5-8F3A9908B55E}" type="slidenum">
               <a:rPr lang="ko-KR" altLang="en-US" smtClean="0"/>
-              <a:t>22</a:t>
+              <a:t>17</a:t>
             </a:fld>
             <a:endParaRPr lang="ko-KR" altLang="en-US"/>
           </a:p>
@@ -583,7 +583,7 @@
     </p:spTree>
     <p:extLst>
       <p:ext uri="{BB962C8B-B14F-4D97-AF65-F5344CB8AC3E}">
-        <p14:creationId xmlns:p14="http://schemas.microsoft.com/office/powerpoint/2010/main" val="4125677498"/>
+        <p14:creationId xmlns:p14="http://schemas.microsoft.com/office/powerpoint/2010/main" val="2232191125"/>
       </p:ext>
     </p:extLst>
   </p:cSld>
@@ -658,7 +658,7 @@
           <a:p>
             <a:fld id="{3AA1EC6A-F945-44A1-81F5-8F3A9908B55E}" type="slidenum">
               <a:rPr lang="ko-KR" altLang="en-US" smtClean="0"/>
-              <a:t>31</a:t>
+              <a:t>30</a:t>
             </a:fld>
             <a:endParaRPr lang="ko-KR" altLang="en-US"/>
           </a:p>
@@ -742,7 +742,7 @@
           <a:p>
             <a:fld id="{3AA1EC6A-F945-44A1-81F5-8F3A9908B55E}" type="slidenum">
               <a:rPr lang="ko-KR" altLang="en-US" smtClean="0"/>
-              <a:t>32</a:t>
+              <a:t>31</a:t>
             </a:fld>
             <a:endParaRPr lang="ko-KR" altLang="en-US"/>
           </a:p>
@@ -826,7 +826,7 @@
           <a:p>
             <a:fld id="{3AA1EC6A-F945-44A1-81F5-8F3A9908B55E}" type="slidenum">
               <a:rPr lang="ko-KR" altLang="en-US" smtClean="0"/>
-              <a:t>34</a:t>
+              <a:t>32</a:t>
             </a:fld>
             <a:endParaRPr lang="ko-KR" altLang="en-US"/>
           </a:p>
@@ -910,7 +910,7 @@
           <a:p>
             <a:fld id="{3AA1EC6A-F945-44A1-81F5-8F3A9908B55E}" type="slidenum">
               <a:rPr lang="ko-KR" altLang="en-US" smtClean="0"/>
-              <a:t>35</a:t>
+              <a:t>34</a:t>
             </a:fld>
             <a:endParaRPr lang="ko-KR" altLang="en-US"/>
           </a:p>
@@ -994,7 +994,7 @@
           <a:p>
             <a:fld id="{3AA1EC6A-F945-44A1-81F5-8F3A9908B55E}" type="slidenum">
               <a:rPr lang="ko-KR" altLang="en-US" smtClean="0"/>
-              <a:t>36</a:t>
+              <a:t>35</a:t>
             </a:fld>
             <a:endParaRPr lang="ko-KR" altLang="en-US"/>
           </a:p>
@@ -1078,7 +1078,7 @@
           <a:p>
             <a:fld id="{3AA1EC6A-F945-44A1-81F5-8F3A9908B55E}" type="slidenum">
               <a:rPr lang="ko-KR" altLang="en-US" smtClean="0"/>
-              <a:t>37</a:t>
+              <a:t>36</a:t>
             </a:fld>
             <a:endParaRPr lang="ko-KR" altLang="en-US"/>
           </a:p>
@@ -1162,7 +1162,7 @@
           <a:p>
             <a:fld id="{3AA1EC6A-F945-44A1-81F5-8F3A9908B55E}" type="slidenum">
               <a:rPr lang="ko-KR" altLang="en-US" smtClean="0"/>
-              <a:t>38</a:t>
+              <a:t>37</a:t>
             </a:fld>
             <a:endParaRPr lang="ko-KR" altLang="en-US"/>
           </a:p>
@@ -1171,7 +1171,7 @@
     </p:spTree>
     <p:extLst>
       <p:ext uri="{BB962C8B-B14F-4D97-AF65-F5344CB8AC3E}">
-        <p14:creationId xmlns:p14="http://schemas.microsoft.com/office/powerpoint/2010/main" val="3737051369"/>
+        <p14:creationId xmlns:p14="http://schemas.microsoft.com/office/powerpoint/2010/main" val="4125677498"/>
       </p:ext>
     </p:extLst>
   </p:cSld>
@@ -1246,6 +1246,90 @@
           <a:p>
             <a:fld id="{3AA1EC6A-F945-44A1-81F5-8F3A9908B55E}" type="slidenum">
               <a:rPr lang="ko-KR" altLang="en-US" smtClean="0"/>
+              <a:t>38</a:t>
+            </a:fld>
+            <a:endParaRPr lang="ko-KR" altLang="en-US"/>
+          </a:p>
+        </p:txBody>
+      </p:sp>
+    </p:spTree>
+    <p:extLst>
+      <p:ext uri="{BB962C8B-B14F-4D97-AF65-F5344CB8AC3E}">
+        <p14:creationId xmlns:p14="http://schemas.microsoft.com/office/powerpoint/2010/main" val="3737051369"/>
+      </p:ext>
+    </p:extLst>
+  </p:cSld>
+  <p:clrMapOvr>
+    <a:masterClrMapping/>
+  </p:clrMapOvr>
+</p:notes>
+</file>
+
+<file path=ppt/notesSlides/notesSlide18.xml><?xml version="1.0" encoding="utf-8"?>
+<p:notes xmlns:a="http://schemas.openxmlformats.org/drawingml/2006/main" xmlns:r="http://schemas.openxmlformats.org/officeDocument/2006/relationships" xmlns:p="http://schemas.openxmlformats.org/presentationml/2006/main">
+  <p:cSld>
+    <p:spTree>
+      <p:nvGrpSpPr>
+        <p:cNvPr id="1" name=""/>
+        <p:cNvGrpSpPr/>
+        <p:nvPr/>
+      </p:nvGrpSpPr>
+      <p:grpSpPr>
+        <a:xfrm>
+          <a:off x="0" y="0"/>
+          <a:ext cx="0" cy="0"/>
+          <a:chOff x="0" y="0"/>
+          <a:chExt cx="0" cy="0"/>
+        </a:xfrm>
+      </p:grpSpPr>
+      <p:sp>
+        <p:nvSpPr>
+          <p:cNvPr id="2" name="슬라이드 이미지 개체 틀 1"/>
+          <p:cNvSpPr>
+            <a:spLocks noGrp="1" noRot="1" noChangeAspect="1"/>
+          </p:cNvSpPr>
+          <p:nvPr>
+            <p:ph type="sldImg"/>
+          </p:nvPr>
+        </p:nvSpPr>
+        <p:spPr/>
+      </p:sp>
+      <p:sp>
+        <p:nvSpPr>
+          <p:cNvPr id="3" name="슬라이드 노트 개체 틀 2"/>
+          <p:cNvSpPr>
+            <a:spLocks noGrp="1"/>
+          </p:cNvSpPr>
+          <p:nvPr>
+            <p:ph type="body" idx="1"/>
+          </p:nvPr>
+        </p:nvSpPr>
+        <p:spPr/>
+        <p:txBody>
+          <a:bodyPr/>
+          <a:lstStyle/>
+          <a:p>
+            <a:endParaRPr lang="ko-KR" altLang="en-US" dirty="0"/>
+          </a:p>
+        </p:txBody>
+      </p:sp>
+      <p:sp>
+        <p:nvSpPr>
+          <p:cNvPr id="4" name="슬라이드 번호 개체 틀 3"/>
+          <p:cNvSpPr>
+            <a:spLocks noGrp="1"/>
+          </p:cNvSpPr>
+          <p:nvPr>
+            <p:ph type="sldNum" sz="quarter" idx="10"/>
+          </p:nvPr>
+        </p:nvSpPr>
+        <p:spPr/>
+        <p:txBody>
+          <a:bodyPr/>
+          <a:lstStyle/>
+          <a:p>
+            <a:fld id="{3AA1EC6A-F945-44A1-81F5-8F3A9908B55E}" type="slidenum">
+              <a:rPr lang="ko-KR" altLang="en-US" smtClean="0"/>
               <a:t>39</a:t>
             </a:fld>
             <a:endParaRPr lang="ko-KR" altLang="en-US"/>
@@ -1265,7 +1349,7 @@
 </p:notes>
 </file>
 
-<file path=ppt/notesSlides/notesSlide18.xml><?xml version="1.0" encoding="utf-8"?>
+<file path=ppt/notesSlides/notesSlide19.xml><?xml version="1.0" encoding="utf-8"?>
 <p:notes xmlns:a="http://schemas.openxmlformats.org/drawingml/2006/main" xmlns:r="http://schemas.openxmlformats.org/officeDocument/2006/relationships" xmlns:p="http://schemas.openxmlformats.org/presentationml/2006/main">
   <p:cSld>
     <p:spTree>
@@ -1414,7 +1498,7 @@
           <a:p>
             <a:fld id="{3AA1EC6A-F945-44A1-81F5-8F3A9908B55E}" type="slidenum">
               <a:rPr lang="ko-KR" altLang="en-US" smtClean="0"/>
-              <a:t>23</a:t>
+              <a:t>22</a:t>
             </a:fld>
             <a:endParaRPr lang="ko-KR" altLang="en-US"/>
           </a:p>
@@ -1498,7 +1582,7 @@
           <a:p>
             <a:fld id="{3AA1EC6A-F945-44A1-81F5-8F3A9908B55E}" type="slidenum">
               <a:rPr lang="ko-KR" altLang="en-US" smtClean="0"/>
-              <a:t>24</a:t>
+              <a:t>23</a:t>
             </a:fld>
             <a:endParaRPr lang="ko-KR" altLang="en-US"/>
           </a:p>
@@ -1582,7 +1666,7 @@
           <a:p>
             <a:fld id="{3AA1EC6A-F945-44A1-81F5-8F3A9908B55E}" type="slidenum">
               <a:rPr lang="ko-KR" altLang="en-US" smtClean="0"/>
-              <a:t>25</a:t>
+              <a:t>24</a:t>
             </a:fld>
             <a:endParaRPr lang="ko-KR" altLang="en-US"/>
           </a:p>
@@ -1666,7 +1750,7 @@
           <a:p>
             <a:fld id="{3AA1EC6A-F945-44A1-81F5-8F3A9908B55E}" type="slidenum">
               <a:rPr lang="ko-KR" altLang="en-US" smtClean="0"/>
-              <a:t>26</a:t>
+              <a:t>25</a:t>
             </a:fld>
             <a:endParaRPr lang="ko-KR" altLang="en-US"/>
           </a:p>
@@ -1750,7 +1834,7 @@
           <a:p>
             <a:fld id="{3AA1EC6A-F945-44A1-81F5-8F3A9908B55E}" type="slidenum">
               <a:rPr lang="ko-KR" altLang="en-US" smtClean="0"/>
-              <a:t>27</a:t>
+              <a:t>26</a:t>
             </a:fld>
             <a:endParaRPr lang="ko-KR" altLang="en-US"/>
           </a:p>
@@ -1834,7 +1918,7 @@
           <a:p>
             <a:fld id="{3AA1EC6A-F945-44A1-81F5-8F3A9908B55E}" type="slidenum">
               <a:rPr lang="ko-KR" altLang="en-US" smtClean="0"/>
-              <a:t>28</a:t>
+              <a:t>27</a:t>
             </a:fld>
             <a:endParaRPr lang="ko-KR" altLang="en-US"/>
           </a:p>
@@ -1918,7 +2002,7 @@
           <a:p>
             <a:fld id="{3AA1EC6A-F945-44A1-81F5-8F3A9908B55E}" type="slidenum">
               <a:rPr lang="ko-KR" altLang="en-US" smtClean="0"/>
-              <a:t>29</a:t>
+              <a:t>28</a:t>
             </a:fld>
             <a:endParaRPr lang="ko-KR" altLang="en-US"/>
           </a:p>
@@ -2002,7 +2086,7 @@
           <a:p>
             <a:fld id="{3AA1EC6A-F945-44A1-81F5-8F3A9908B55E}" type="slidenum">
               <a:rPr lang="ko-KR" altLang="en-US" smtClean="0"/>
-              <a:t>30</a:t>
+              <a:t>29</a:t>
             </a:fld>
             <a:endParaRPr lang="ko-KR" altLang="en-US"/>
           </a:p>
@@ -2200,9 +2284,9 @@
           <a:bodyPr/>
           <a:lstStyle/>
           <a:p>
-            <a:fld id="{933319CE-238E-42AF-822B-4EC57575F79C}" type="datetime1">
+            <a:fld id="{6DA69914-2EE9-4AC0-8BAE-ECF1EC899FAA}" type="datetime1">
               <a:rPr lang="ko-KR" altLang="en-US" smtClean="0"/>
-              <a:t>2019-09-28</a:t>
+              <a:t>2019-10-01</a:t>
             </a:fld>
             <a:endParaRPr lang="ko-KR" altLang="en-US"/>
           </a:p>
@@ -2370,9 +2454,9 @@
           <a:bodyPr/>
           <a:lstStyle/>
           <a:p>
-            <a:fld id="{1DFBD0E2-807A-4319-AB8E-FEE52FEA9261}" type="datetime1">
+            <a:fld id="{1D05AB07-3CB3-4D04-9C83-67B0156CCE02}" type="datetime1">
               <a:rPr lang="ko-KR" altLang="en-US" smtClean="0"/>
-              <a:t>2019-09-28</a:t>
+              <a:t>2019-10-01</a:t>
             </a:fld>
             <a:endParaRPr lang="ko-KR" altLang="en-US"/>
           </a:p>
@@ -2550,9 +2634,9 @@
           <a:bodyPr/>
           <a:lstStyle/>
           <a:p>
-            <a:fld id="{7851FA34-ABB9-4DB3-8D35-39BDC5ED0B78}" type="datetime1">
+            <a:fld id="{A445E308-F4EB-4C16-9341-8E1D3F1BC0AA}" type="datetime1">
               <a:rPr lang="ko-KR" altLang="en-US" smtClean="0"/>
-              <a:t>2019-09-28</a:t>
+              <a:t>2019-10-01</a:t>
             </a:fld>
             <a:endParaRPr lang="ko-KR" altLang="en-US"/>
           </a:p>
@@ -2730,9 +2814,9 @@
           <a:bodyPr/>
           <a:lstStyle/>
           <a:p>
-            <a:fld id="{D8997201-2419-4749-AB7D-A112D610BDDB}" type="datetime1">
+            <a:fld id="{B4F6C921-934E-4E85-BB1A-6C045A71D31B}" type="datetime1">
               <a:rPr lang="ko-KR" altLang="en-US" smtClean="0"/>
-              <a:t>2019-09-28</a:t>
+              <a:t>2019-10-01</a:t>
             </a:fld>
             <a:endParaRPr lang="ko-KR" altLang="en-US"/>
           </a:p>
@@ -2976,9 +3060,9 @@
           <a:bodyPr/>
           <a:lstStyle/>
           <a:p>
-            <a:fld id="{55B63E66-2DB7-4FF5-BE7A-2653DD612454}" type="datetime1">
+            <a:fld id="{05CE73F3-0BF8-45A0-83F0-AA56108CF11E}" type="datetime1">
               <a:rPr lang="ko-KR" altLang="en-US" smtClean="0"/>
-              <a:t>2019-09-28</a:t>
+              <a:t>2019-10-01</a:t>
             </a:fld>
             <a:endParaRPr lang="ko-KR" altLang="en-US"/>
           </a:p>
@@ -3264,9 +3348,9 @@
           <a:bodyPr/>
           <a:lstStyle/>
           <a:p>
-            <a:fld id="{62059A16-F231-4ED5-9657-993213A39BB3}" type="datetime1">
+            <a:fld id="{637A84AE-3B6B-4330-96CC-3F604EE6F2AC}" type="datetime1">
               <a:rPr lang="ko-KR" altLang="en-US" smtClean="0"/>
-              <a:t>2019-09-28</a:t>
+              <a:t>2019-10-01</a:t>
             </a:fld>
             <a:endParaRPr lang="ko-KR" altLang="en-US"/>
           </a:p>
@@ -3686,9 +3770,9 @@
           <a:bodyPr/>
           <a:lstStyle/>
           <a:p>
-            <a:fld id="{15A972AB-7508-41CE-95E9-AE43851C0E82}" type="datetime1">
+            <a:fld id="{4FB0D6C6-C819-45C9-A706-051AF7C82637}" type="datetime1">
               <a:rPr lang="ko-KR" altLang="en-US" smtClean="0"/>
-              <a:t>2019-09-28</a:t>
+              <a:t>2019-10-01</a:t>
             </a:fld>
             <a:endParaRPr lang="ko-KR" altLang="en-US"/>
           </a:p>
@@ -3804,9 +3888,9 @@
           <a:bodyPr/>
           <a:lstStyle/>
           <a:p>
-            <a:fld id="{D53AEC9E-A53D-4B79-A274-F2AD523A7E90}" type="datetime1">
+            <a:fld id="{28E47B62-5B6E-404C-87F7-DDEFB5CE8B16}" type="datetime1">
               <a:rPr lang="ko-KR" altLang="en-US" smtClean="0"/>
-              <a:t>2019-09-28</a:t>
+              <a:t>2019-10-01</a:t>
             </a:fld>
             <a:endParaRPr lang="ko-KR" altLang="en-US"/>
           </a:p>
@@ -3899,9 +3983,9 @@
           <a:bodyPr/>
           <a:lstStyle/>
           <a:p>
-            <a:fld id="{01082F54-D128-4F47-A122-7E3D93869658}" type="datetime1">
+            <a:fld id="{43EBF85D-D8F3-47BC-8D4D-A320B1349EDE}" type="datetime1">
               <a:rPr lang="ko-KR" altLang="en-US" smtClean="0"/>
-              <a:t>2019-09-28</a:t>
+              <a:t>2019-10-01</a:t>
             </a:fld>
             <a:endParaRPr lang="ko-KR" altLang="en-US"/>
           </a:p>
@@ -4176,9 +4260,9 @@
           <a:bodyPr/>
           <a:lstStyle/>
           <a:p>
-            <a:fld id="{9A074040-FD4D-4944-B824-36D57B4A530D}" type="datetime1">
+            <a:fld id="{71AAAFA7-F685-44E4-945F-469E35EEA3F8}" type="datetime1">
               <a:rPr lang="ko-KR" altLang="en-US" smtClean="0"/>
-              <a:t>2019-09-28</a:t>
+              <a:t>2019-10-01</a:t>
             </a:fld>
             <a:endParaRPr lang="ko-KR" altLang="en-US"/>
           </a:p>
@@ -4429,9 +4513,9 @@
           <a:bodyPr/>
           <a:lstStyle/>
           <a:p>
-            <a:fld id="{12C0F3DC-7263-4E4C-9A04-C9D1B111DCB0}" type="datetime1">
+            <a:fld id="{36F4AE64-00D8-46D2-9F93-0DCDEF3E9E53}" type="datetime1">
               <a:rPr lang="ko-KR" altLang="en-US" smtClean="0"/>
-              <a:t>2019-09-28</a:t>
+              <a:t>2019-10-01</a:t>
             </a:fld>
             <a:endParaRPr lang="ko-KR" altLang="en-US"/>
           </a:p>
@@ -4642,9 +4726,9 @@
             </a:lvl1pPr>
           </a:lstStyle>
           <a:p>
-            <a:fld id="{B208F9EE-4247-40E1-AFA1-FBB8805FC517}" type="datetime1">
+            <a:fld id="{BC7CB231-4BE1-47AD-9576-AD8D0B12DFDD}" type="datetime1">
               <a:rPr lang="ko-KR" altLang="en-US" smtClean="0"/>
-              <a:t>2019-09-28</a:t>
+              <a:t>2019-10-01</a:t>
             </a:fld>
             <a:endParaRPr lang="ko-KR" altLang="en-US"/>
           </a:p>
@@ -5915,7 +5999,7 @@
             </a:r>
             <a:r>
               <a:rPr lang="ko-KR" altLang="en-US" sz="1600" dirty="0" smtClean="0"/>
-              <a:t>벡터는 기본 데이터 타입을 출력</a:t>
+              <a:t>벡터는 기본 데이터 타입을 출력 </a:t>
             </a:r>
             <a:endParaRPr lang="en-US" altLang="ko-KR" sz="1600" dirty="0" smtClean="0"/>
           </a:p>
@@ -7269,15 +7353,15 @@
               <a:buAutoNum type="arabicPeriod"/>
             </a:pPr>
             <a:r>
-              <a:rPr lang="en-US" altLang="ko-KR" sz="1800" dirty="0"/>
+              <a:rPr lang="en-US" altLang="ko-KR" sz="1800" dirty="0" smtClean="0"/>
               <a:t>A &lt;- matrix(V, </a:t>
             </a:r>
             <a:r>
-              <a:rPr lang="en-US" altLang="ko-KR" sz="1800" dirty="0" err="1"/>
+              <a:rPr lang="en-US" altLang="ko-KR" sz="1800" dirty="0" err="1" smtClean="0"/>
               <a:t>nrow</a:t>
             </a:r>
             <a:r>
-              <a:rPr lang="en-US" altLang="ko-KR" sz="1800" dirty="0"/>
+              <a:rPr lang="en-US" altLang="ko-KR" sz="1800" dirty="0" smtClean="0"/>
               <a:t>=2, </a:t>
             </a:r>
             <a:r>
@@ -7286,7 +7370,7 @@
             </a:r>
             <a:r>
               <a:rPr lang="en-US" altLang="ko-KR" sz="1800" dirty="0" smtClean="0"/>
-              <a:t>=2)</a:t>
+              <a:t>=TRUE)</a:t>
             </a:r>
             <a:endParaRPr lang="en-US" altLang="ko-KR" sz="2000" dirty="0" smtClean="0"/>
           </a:p>
@@ -7398,8 +7482,21 @@
             </a:pPr>
             <a:r>
               <a:rPr lang="en-US" altLang="ko-KR" sz="1800" dirty="0" smtClean="0"/>
-              <a:t>A[3,3] # 3,3</a:t>
-            </a:r>
+              <a:t>A[3,3] # 3</a:t>
+            </a:r>
+            <a:r>
+              <a:rPr lang="ko-KR" altLang="en-US" sz="1800" dirty="0" smtClean="0"/>
+              <a:t>행 </a:t>
+            </a:r>
+            <a:r>
+              <a:rPr lang="en-US" altLang="ko-KR" sz="1800" dirty="0" smtClean="0"/>
+              <a:t>3</a:t>
+            </a:r>
+            <a:r>
+              <a:rPr lang="ko-KR" altLang="en-US" sz="1800" dirty="0" smtClean="0"/>
+              <a:t>열 원소</a:t>
+            </a:r>
+            <a:endParaRPr lang="en-US" altLang="ko-KR" sz="1800" dirty="0" smtClean="0"/>
           </a:p>
           <a:p>
             <a:pPr marL="914400" lvl="1" indent="-457200">
@@ -7506,6 +7603,36 @@
             <a:r>
               <a:rPr lang="ko-KR" altLang="en-US" sz="1800" dirty="0" smtClean="0"/>
               <a:t>열 제외 추출</a:t>
+            </a:r>
+            <a:endParaRPr lang="en-US" altLang="ko-KR" sz="1800" dirty="0" smtClean="0"/>
+          </a:p>
+          <a:p>
+            <a:pPr marL="914400" lvl="1" indent="-457200">
+              <a:lnSpc>
+                <a:spcPct val="150000"/>
+              </a:lnSpc>
+              <a:buFont typeface="+mj-lt"/>
+              <a:buAutoNum type="arabicPeriod"/>
+            </a:pPr>
+            <a:r>
+              <a:rPr lang="en-US" altLang="ko-KR" sz="1800" dirty="0"/>
+              <a:t>A[A[,1] &gt; 3</a:t>
+            </a:r>
+            <a:r>
+              <a:rPr lang="en-US" altLang="ko-KR" sz="1800" dirty="0" smtClean="0"/>
+              <a:t>,] # 1</a:t>
+            </a:r>
+            <a:r>
+              <a:rPr lang="ko-KR" altLang="en-US" sz="1800" dirty="0" smtClean="0"/>
+              <a:t>열이 </a:t>
+            </a:r>
+            <a:r>
+              <a:rPr lang="en-US" altLang="ko-KR" sz="1800" dirty="0" smtClean="0"/>
+              <a:t>3</a:t>
+            </a:r>
+            <a:r>
+              <a:rPr lang="ko-KR" altLang="en-US" sz="1800" dirty="0" smtClean="0"/>
+              <a:t>이상인 행만 출력</a:t>
             </a:r>
             <a:endParaRPr lang="en-US" altLang="ko-KR" sz="1800" dirty="0" smtClean="0"/>
           </a:p>
@@ -14530,7 +14657,11 @@
             </a:pPr>
             <a:r>
               <a:rPr lang="en-US" altLang="ko-KR" dirty="0" smtClean="0"/>
-              <a:t>	return (n1 + n2)</a:t>
+              <a:t>	</a:t>
+            </a:r>
+            <a:r>
+              <a:rPr lang="en-US" altLang="ko-KR" dirty="0" smtClean="0"/>
+              <a:t>return ((n1+n2)/2)</a:t>
             </a:r>
           </a:p>
           <a:p>
@@ -14839,8 +14970,8 @@
         </p:nvSpPr>
         <p:spPr>
           <a:xfrm>
-            <a:off x="7056340" y="5840924"/>
-            <a:ext cx="576000" cy="576064"/>
+            <a:off x="6975307" y="5840924"/>
+            <a:ext cx="738066" cy="756428"/>
           </a:xfrm>
           <a:prstGeom prst="ellipse">
             <a:avLst/>
@@ -14879,7 +15010,7 @@
                   <a:schemeClr val="tx1"/>
                 </a:solidFill>
               </a:rPr>
-              <a:t>5</a:t>
+              <a:t>2.5</a:t>
             </a:r>
             <a:endParaRPr lang="ko-KR" altLang="en-US" dirty="0">
               <a:solidFill>
@@ -15145,7 +15276,7 @@
               <a:rPr lang="ko-KR" altLang="en-US" smtClean="0"/>
               <a:t>36</a:t>
             </a:fld>
-            <a:endParaRPr lang="ko-KR" altLang="en-US"/>
+            <a:endParaRPr lang="ko-KR" altLang="en-US" dirty="0"/>
           </a:p>
         </p:txBody>
       </p:sp>
@@ -15444,14 +15575,14 @@
               </a:lnSpc>
             </a:pPr>
             <a:r>
-              <a:rPr lang="en-US" altLang="ko-KR" sz="1600" dirty="0" smtClean="0"/>
-              <a:t>length : </a:t>
-            </a:r>
-            <a:r>
-              <a:rPr lang="ko-KR" altLang="en-US" sz="1600" dirty="0" smtClean="0"/>
-              <a:t>벡터의 길이</a:t>
-            </a:r>
-            <a:endParaRPr lang="en-US" altLang="ko-KR" sz="1600" dirty="0" smtClean="0"/>
+              <a:rPr lang="en-US" altLang="ko-KR" sz="2000" dirty="0" smtClean="0"/>
+              <a:t>names : </a:t>
+            </a:r>
+            <a:r>
+              <a:rPr lang="ko-KR" altLang="en-US" sz="2000" dirty="0" smtClean="0"/>
+              <a:t>벡터에 이름 부여</a:t>
+            </a:r>
+            <a:endParaRPr lang="en-US" altLang="ko-KR" sz="2000" dirty="0" smtClean="0"/>
           </a:p>
           <a:p>
             <a:pPr>
@@ -15460,18 +15591,18 @@
               </a:lnSpc>
             </a:pPr>
             <a:r>
-              <a:rPr lang="en-US" altLang="ko-KR" sz="1600" dirty="0" smtClean="0"/>
-              <a:t>names : </a:t>
-            </a:r>
-            <a:r>
-              <a:rPr lang="ko-KR" altLang="en-US" sz="1600" dirty="0" smtClean="0"/>
-              <a:t>벡터에 이름 </a:t>
-            </a:r>
-            <a:r>
-              <a:rPr lang="ko-KR" altLang="en-US" sz="1600" dirty="0" smtClean="0"/>
-              <a:t>부여</a:t>
-            </a:r>
-            <a:endParaRPr lang="en-US" altLang="ko-KR" sz="1600" dirty="0" smtClean="0"/>
+              <a:rPr lang="en-US" altLang="ko-KR" sz="2000" dirty="0" err="1" smtClean="0"/>
+              <a:t>colnames</a:t>
+            </a:r>
+            <a:r>
+              <a:rPr lang="en-US" altLang="ko-KR" sz="2000" dirty="0" smtClean="0"/>
+              <a:t>  : </a:t>
+            </a:r>
+            <a:r>
+              <a:rPr lang="ko-KR" altLang="en-US" sz="2000" dirty="0" smtClean="0"/>
+              <a:t>열 이름</a:t>
+            </a:r>
+            <a:endParaRPr lang="en-US" altLang="ko-KR" sz="2000" dirty="0" smtClean="0"/>
           </a:p>
           <a:p>
             <a:pPr>
@@ -15480,18 +15611,18 @@
               </a:lnSpc>
             </a:pPr>
             <a:r>
-              <a:rPr lang="en-US" altLang="ko-KR" sz="1600" dirty="0" err="1"/>
-              <a:t>nrow</a:t>
-            </a:r>
-            <a:r>
-              <a:rPr lang="en-US" altLang="ko-KR" sz="1600" dirty="0"/>
-              <a:t> : </a:t>
-            </a:r>
-            <a:r>
-              <a:rPr lang="ko-KR" altLang="en-US" sz="1600" dirty="0"/>
-              <a:t>행수</a:t>
-            </a:r>
-            <a:endParaRPr lang="en-US" altLang="ko-KR" sz="1600" dirty="0"/>
+              <a:rPr lang="en-US" altLang="ko-KR" sz="2000" dirty="0" err="1" smtClean="0"/>
+              <a:t>rownames</a:t>
+            </a:r>
+            <a:r>
+              <a:rPr lang="en-US" altLang="ko-KR" sz="2000" dirty="0" smtClean="0"/>
+              <a:t>  : </a:t>
+            </a:r>
+            <a:r>
+              <a:rPr lang="ko-KR" altLang="en-US" sz="2000" dirty="0" smtClean="0"/>
+              <a:t>행 이름</a:t>
+            </a:r>
+            <a:endParaRPr lang="en-US" altLang="ko-KR" sz="2000" dirty="0" smtClean="0"/>
           </a:p>
           <a:p>
             <a:pPr>
@@ -15500,18 +15631,41 @@
               </a:lnSpc>
             </a:pPr>
             <a:r>
-              <a:rPr lang="en-US" altLang="ko-KR" sz="1600" dirty="0" err="1"/>
-              <a:t>ncol</a:t>
-            </a:r>
-            <a:r>
-              <a:rPr lang="en-US" altLang="ko-KR" sz="1600" dirty="0"/>
-              <a:t> : </a:t>
-            </a:r>
-            <a:r>
-              <a:rPr lang="ko-KR" altLang="en-US" sz="1600" dirty="0" smtClean="0"/>
-              <a:t>열수</a:t>
-            </a:r>
-            <a:endParaRPr lang="en-US" altLang="ko-KR" sz="1600" dirty="0" smtClean="0"/>
+              <a:rPr lang="en-US" altLang="ko-KR" sz="2000" dirty="0" smtClean="0"/>
+              <a:t>NULL/NA </a:t>
+            </a:r>
+            <a:r>
+              <a:rPr lang="ko-KR" altLang="en-US" sz="2000" dirty="0" smtClean="0"/>
+              <a:t>처리 </a:t>
+            </a:r>
+            <a:r>
+              <a:rPr lang="en-US" altLang="ko-KR" sz="2000" dirty="0" smtClean="0"/>
+              <a:t>: is.na(</a:t>
+            </a:r>
+            <a:r>
+              <a:rPr lang="ko-KR" altLang="en-US" sz="2000" dirty="0" smtClean="0"/>
+              <a:t>객체</a:t>
+            </a:r>
+            <a:r>
+              <a:rPr lang="en-US" altLang="ko-KR" sz="2000" dirty="0" smtClean="0"/>
+              <a:t>), </a:t>
+            </a:r>
+            <a:r>
+              <a:rPr lang="en-US" altLang="ko-KR" sz="2000" dirty="0" err="1" smtClean="0"/>
+              <a:t>is.null</a:t>
+            </a:r>
+            <a:r>
+              <a:rPr lang="en-US" altLang="ko-KR" sz="2000" dirty="0" smtClean="0"/>
+              <a:t>(</a:t>
+            </a:r>
+            <a:r>
+              <a:rPr lang="ko-KR" altLang="en-US" sz="2000" dirty="0" smtClean="0"/>
+              <a:t>객체</a:t>
+            </a:r>
+            <a:r>
+              <a:rPr lang="en-US" altLang="ko-KR" sz="2000" dirty="0" smtClean="0"/>
+              <a:t>)</a:t>
+            </a:r>
           </a:p>
           <a:p>
             <a:pPr>
@@ -15520,18 +15674,14 @@
               </a:lnSpc>
             </a:pPr>
             <a:r>
-              <a:rPr lang="en-US" altLang="ko-KR" sz="1600" dirty="0" err="1" smtClean="0"/>
-              <a:t>colnames</a:t>
-            </a:r>
-            <a:r>
-              <a:rPr lang="en-US" altLang="ko-KR" sz="1600" dirty="0" smtClean="0"/>
-              <a:t>  : </a:t>
-            </a:r>
-            <a:r>
-              <a:rPr lang="ko-KR" altLang="en-US" sz="1600" dirty="0" smtClean="0"/>
-              <a:t>열 이름</a:t>
-            </a:r>
-            <a:endParaRPr lang="en-US" altLang="ko-KR" sz="1600" dirty="0" smtClean="0"/>
+              <a:rPr lang="en-US" altLang="ko-KR" sz="2000" dirty="0" smtClean="0"/>
+              <a:t>which : </a:t>
+            </a:r>
+            <a:r>
+              <a:rPr lang="ko-KR" altLang="en-US" sz="2000" dirty="0" smtClean="0"/>
+              <a:t>인덱스 위치</a:t>
+            </a:r>
+            <a:endParaRPr lang="en-US" altLang="ko-KR" sz="2000" dirty="0" smtClean="0"/>
           </a:p>
           <a:p>
             <a:pPr>
@@ -15540,18 +15690,18 @@
               </a:lnSpc>
             </a:pPr>
             <a:r>
-              <a:rPr lang="en-US" altLang="ko-KR" sz="1600" dirty="0" err="1" smtClean="0"/>
-              <a:t>rownames</a:t>
-            </a:r>
-            <a:r>
-              <a:rPr lang="en-US" altLang="ko-KR" sz="1600" dirty="0" smtClean="0"/>
-              <a:t>  : </a:t>
-            </a:r>
-            <a:r>
-              <a:rPr lang="ko-KR" altLang="en-US" sz="1600" dirty="0" smtClean="0"/>
-              <a:t>행 이름</a:t>
-            </a:r>
-            <a:endParaRPr lang="en-US" altLang="ko-KR" sz="1600" dirty="0" smtClean="0"/>
+              <a:rPr lang="en-US" altLang="ko-KR" sz="2000" dirty="0" smtClean="0"/>
+              <a:t>paste : </a:t>
+            </a:r>
+            <a:r>
+              <a:rPr lang="ko-KR" altLang="en-US" sz="2000" dirty="0" smtClean="0"/>
+              <a:t>문자열을 </a:t>
+            </a:r>
+            <a:r>
+              <a:rPr lang="ko-KR" altLang="en-US" sz="2000" dirty="0" err="1" smtClean="0"/>
+              <a:t>붙일때</a:t>
+            </a:r>
+            <a:endParaRPr lang="en-US" altLang="ko-KR" sz="2000" dirty="0" smtClean="0"/>
           </a:p>
           <a:p>
             <a:pPr>
@@ -15560,40 +15710,12 @@
               </a:lnSpc>
             </a:pPr>
             <a:r>
-              <a:rPr lang="en-US" altLang="ko-KR" sz="1600" dirty="0" smtClean="0"/>
-              <a:t>NULL/NA </a:t>
-            </a:r>
-            <a:r>
-              <a:rPr lang="ko-KR" altLang="en-US" sz="1600" dirty="0" smtClean="0"/>
-              <a:t>처리 </a:t>
-            </a:r>
-            <a:r>
-              <a:rPr lang="en-US" altLang="ko-KR" sz="1600" dirty="0" smtClean="0"/>
-              <a:t>: is.na(</a:t>
-            </a:r>
-            <a:r>
-              <a:rPr lang="ko-KR" altLang="en-US" sz="1600" dirty="0" smtClean="0"/>
-              <a:t>객체</a:t>
-            </a:r>
-            <a:r>
-              <a:rPr lang="en-US" altLang="ko-KR" sz="1600" dirty="0" smtClean="0"/>
-              <a:t>), </a:t>
-            </a:r>
-            <a:r>
-              <a:rPr lang="en-US" altLang="ko-KR" sz="1600" dirty="0" err="1" smtClean="0"/>
-              <a:t>is.null</a:t>
-            </a:r>
-            <a:r>
-              <a:rPr lang="en-US" altLang="ko-KR" sz="1600" dirty="0" smtClean="0"/>
-              <a:t>(</a:t>
-            </a:r>
-            <a:r>
-              <a:rPr lang="ko-KR" altLang="en-US" sz="1600" dirty="0" smtClean="0"/>
-              <a:t>객체</a:t>
-            </a:r>
-            <a:r>
-              <a:rPr lang="en-US" altLang="ko-KR" sz="1600" dirty="0" smtClean="0"/>
-              <a:t>)</a:t>
+              <a:rPr lang="en-US" altLang="ko-KR" sz="2000" dirty="0" err="1" smtClean="0"/>
+              <a:t>unlist</a:t>
+            </a:r>
+            <a:r>
+              <a:rPr lang="en-US" altLang="ko-KR" sz="2000" dirty="0" smtClean="0"/>
+              <a:t>  </a:t>
             </a:r>
           </a:p>
           <a:p>
@@ -15603,14 +15725,14 @@
               </a:lnSpc>
             </a:pPr>
             <a:r>
-              <a:rPr lang="en-US" altLang="ko-KR" sz="1600" dirty="0" smtClean="0"/>
-              <a:t>which : </a:t>
-            </a:r>
-            <a:r>
-              <a:rPr lang="ko-KR" altLang="en-US" sz="1600" dirty="0" smtClean="0"/>
-              <a:t>인덱스 위치</a:t>
-            </a:r>
-            <a:endParaRPr lang="en-US" altLang="ko-KR" sz="1600" dirty="0" smtClean="0"/>
+              <a:rPr lang="en-US" altLang="ko-KR" sz="2000" dirty="0" smtClean="0"/>
+              <a:t>sort : </a:t>
+            </a:r>
+            <a:r>
+              <a:rPr lang="ko-KR" altLang="en-US" sz="2000" dirty="0" smtClean="0"/>
+              <a:t>정렬</a:t>
+            </a:r>
+            <a:endParaRPr lang="en-US" altLang="ko-KR" sz="2000" dirty="0" smtClean="0"/>
           </a:p>
           <a:p>
             <a:pPr>
@@ -15619,18 +15741,14 @@
               </a:lnSpc>
             </a:pPr>
             <a:r>
-              <a:rPr lang="en-US" altLang="ko-KR" sz="1600" dirty="0" smtClean="0"/>
-              <a:t>paste : </a:t>
-            </a:r>
-            <a:r>
-              <a:rPr lang="ko-KR" altLang="en-US" sz="1600" dirty="0" smtClean="0"/>
-              <a:t>문자열을 </a:t>
-            </a:r>
-            <a:r>
-              <a:rPr lang="ko-KR" altLang="en-US" sz="1600" dirty="0" err="1" smtClean="0"/>
-              <a:t>붙일때</a:t>
-            </a:r>
-            <a:endParaRPr lang="en-US" altLang="ko-KR" sz="1600" dirty="0" smtClean="0"/>
+              <a:rPr lang="en-US" altLang="ko-KR" sz="2000" dirty="0" smtClean="0"/>
+              <a:t>order : </a:t>
+            </a:r>
+            <a:r>
+              <a:rPr lang="ko-KR" altLang="en-US" sz="2000" dirty="0" smtClean="0"/>
+              <a:t>정렬 색인</a:t>
+            </a:r>
+            <a:endParaRPr lang="en-US" altLang="ko-KR" sz="2000" dirty="0" smtClean="0"/>
           </a:p>
           <a:p>
             <a:pPr>
@@ -15639,54 +15757,7 @@
               </a:lnSpc>
             </a:pPr>
             <a:r>
-              <a:rPr lang="en-US" altLang="ko-KR" sz="1600" dirty="0" err="1" smtClean="0"/>
-              <a:t>unlist</a:t>
-            </a:r>
-            <a:r>
-              <a:rPr lang="en-US" altLang="ko-KR" sz="1600" dirty="0" smtClean="0"/>
-              <a:t>  </a:t>
-            </a:r>
-          </a:p>
-          <a:p>
-            <a:pPr>
-              <a:lnSpc>
-                <a:spcPct val="150000"/>
-              </a:lnSpc>
-            </a:pPr>
-            <a:r>
-              <a:rPr lang="en-US" altLang="ko-KR" sz="1600" dirty="0" smtClean="0"/>
-              <a:t>sort : </a:t>
-            </a:r>
-            <a:r>
-              <a:rPr lang="ko-KR" altLang="en-US" sz="1600" dirty="0" smtClean="0"/>
-              <a:t>정렬</a:t>
-            </a:r>
-            <a:endParaRPr lang="en-US" altLang="ko-KR" sz="1600" dirty="0" smtClean="0"/>
-          </a:p>
-          <a:p>
-            <a:pPr>
-              <a:lnSpc>
-                <a:spcPct val="150000"/>
-              </a:lnSpc>
-            </a:pPr>
-            <a:r>
-              <a:rPr lang="en-US" altLang="ko-KR" sz="1600" dirty="0" smtClean="0"/>
-              <a:t>order : </a:t>
-            </a:r>
-            <a:r>
-              <a:rPr lang="ko-KR" altLang="en-US" sz="1600" dirty="0" smtClean="0"/>
-              <a:t>정렬 색인</a:t>
-            </a:r>
-            <a:endParaRPr lang="en-US" altLang="ko-KR" sz="1600" dirty="0" smtClean="0"/>
-          </a:p>
-          <a:p>
-            <a:pPr>
-              <a:lnSpc>
-                <a:spcPct val="150000"/>
-              </a:lnSpc>
-            </a:pPr>
-            <a:r>
-              <a:rPr lang="en-US" altLang="ko-KR" sz="1600" dirty="0" smtClean="0"/>
+              <a:rPr lang="en-US" altLang="ko-KR" sz="2000" dirty="0" smtClean="0"/>
               <a:t>….</a:t>
             </a:r>
           </a:p>
@@ -17748,7 +17819,7 @@
               <a:rPr lang="ko-KR" altLang="en-US" smtClean="0"/>
               <a:t>45</a:t>
             </a:fld>
-            <a:endParaRPr lang="ko-KR" altLang="en-US"/>
+            <a:endParaRPr lang="ko-KR" altLang="en-US" dirty="0"/>
           </a:p>
         </p:txBody>
       </p:sp>
@@ -20607,7 +20678,12 @@
             <p:ph idx="1"/>
           </p:nvPr>
         </p:nvSpPr>
-        <p:spPr/>
+        <p:spPr>
+          <a:xfrm>
+            <a:off x="457200" y="1196752"/>
+            <a:ext cx="8229600" cy="5544616"/>
+          </a:xfrm>
+        </p:spPr>
         <p:txBody>
           <a:bodyPr>
             <a:noAutofit/>
@@ -20625,7 +20701,15 @@
             </a:r>
             <a:r>
               <a:rPr lang="en-US" altLang="ko-KR" sz="2400" dirty="0" smtClean="0"/>
-              <a:t>(+,-,/,%%,^...)</a:t>
+              <a:t>(+,-,</a:t>
+            </a:r>
+            <a:r>
+              <a:rPr lang="en-US" altLang="ko-KR" sz="2400" dirty="0"/>
+              <a:t>×</a:t>
+            </a:r>
+            <a:r>
+              <a:rPr lang="en-US" altLang="ko-KR" sz="2400" dirty="0" smtClean="0"/>
+              <a:t>,/,%%,^...)</a:t>
             </a:r>
           </a:p>
           <a:p>
@@ -20701,7 +20785,7 @@
             </a:r>
             <a:r>
               <a:rPr lang="en-US" altLang="ko-KR" sz="2400" dirty="0" smtClean="0"/>
-              <a:t>(&gt;, &lt;, ==, …)</a:t>
+              <a:t>(&gt;, &lt;, ==, !=, …)</a:t>
             </a:r>
           </a:p>
           <a:p>
@@ -20994,7 +21078,7 @@
         </p:nvSpPr>
         <p:spPr>
           <a:xfrm>
-            <a:off x="773318" y="5301208"/>
+            <a:off x="773318" y="5818038"/>
             <a:ext cx="7617746" cy="923330"/>
           </a:xfrm>
           <a:prstGeom prst="rect">
@@ -24946,6 +25030,68 @@
           </a:p>
         </p:txBody>
       </p:sp>
+      <p:sp>
+        <p:nvSpPr>
+          <p:cNvPr id="4" name="TextBox 3"/>
+          <p:cNvSpPr txBox="1"/>
+          <p:nvPr/>
+        </p:nvSpPr>
+        <p:spPr>
+          <a:xfrm>
+            <a:off x="467544" y="4942909"/>
+            <a:ext cx="6480720" cy="646331"/>
+          </a:xfrm>
+          <a:prstGeom prst="rect">
+            <a:avLst/>
+          </a:prstGeom>
+          <a:noFill/>
+        </p:spPr>
+        <p:txBody>
+          <a:bodyPr wrap="square" rtlCol="0">
+            <a:spAutoFit/>
+          </a:bodyPr>
+          <a:lstStyle/>
+          <a:p>
+            <a:r>
+              <a:rPr lang="en-US" altLang="ko-KR" dirty="0" smtClean="0"/>
+              <a:t>X &lt;- 0.05 : X</a:t>
+            </a:r>
+            <a:r>
+              <a:rPr lang="ko-KR" altLang="en-US" dirty="0" smtClean="0"/>
+              <a:t>는 기본 데이터 타입이 </a:t>
+            </a:r>
+            <a:r>
+              <a:rPr lang="en-US" altLang="ko-KR" dirty="0" smtClean="0"/>
+              <a:t>double</a:t>
+            </a:r>
+            <a:r>
+              <a:rPr lang="ko-KR" altLang="en-US" dirty="0" smtClean="0"/>
+              <a:t>이고 크기가 </a:t>
+            </a:r>
+            <a:r>
+              <a:rPr lang="en-US" altLang="ko-KR" dirty="0" smtClean="0"/>
+              <a:t>1</a:t>
+            </a:r>
+            <a:r>
+              <a:rPr lang="ko-KR" altLang="en-US" dirty="0" smtClean="0"/>
+              <a:t>인 벡터</a:t>
+            </a:r>
+            <a:r>
+              <a:rPr lang="en-US" altLang="ko-KR" dirty="0" smtClean="0"/>
+              <a:t>(</a:t>
+            </a:r>
+            <a:r>
+              <a:rPr lang="ko-KR" altLang="en-US" dirty="0" smtClean="0"/>
+              <a:t>변수</a:t>
+            </a:r>
+            <a:r>
+              <a:rPr lang="en-US" altLang="ko-KR" dirty="0" smtClean="0"/>
+              <a:t>)</a:t>
+            </a:r>
+            <a:endParaRPr lang="ko-KR" altLang="en-US" dirty="0"/>
+          </a:p>
+        </p:txBody>
+      </p:sp>
     </p:spTree>
     <p:extLst>
       <p:ext uri="{BB962C8B-B14F-4D97-AF65-F5344CB8AC3E}">
